--- a/redis/docs/redis.pptx
+++ b/redis/docs/redis.pptx
@@ -6,12 +6,34 @@
     <p:sldMasterId id="2147483660" r:id="rId2"/>
   </p:sldMasterIdLst>
   <p:notesMasterIdLst>
-    <p:notesMasterId r:id="rId6"/>
+    <p:notesMasterId r:id="rId28"/>
   </p:notesMasterIdLst>
   <p:sldIdLst>
     <p:sldId id="256" r:id="rId3"/>
     <p:sldId id="262" r:id="rId4"/>
-    <p:sldId id="261" r:id="rId5"/>
+    <p:sldId id="263" r:id="rId5"/>
+    <p:sldId id="264" r:id="rId6"/>
+    <p:sldId id="277" r:id="rId7"/>
+    <p:sldId id="265" r:id="rId8"/>
+    <p:sldId id="266" r:id="rId9"/>
+    <p:sldId id="267" r:id="rId10"/>
+    <p:sldId id="268" r:id="rId11"/>
+    <p:sldId id="269" r:id="rId12"/>
+    <p:sldId id="270" r:id="rId13"/>
+    <p:sldId id="271" r:id="rId14"/>
+    <p:sldId id="272" r:id="rId15"/>
+    <p:sldId id="273" r:id="rId16"/>
+    <p:sldId id="274" r:id="rId17"/>
+    <p:sldId id="275" r:id="rId18"/>
+    <p:sldId id="276" r:id="rId19"/>
+    <p:sldId id="278" r:id="rId20"/>
+    <p:sldId id="279" r:id="rId21"/>
+    <p:sldId id="280" r:id="rId22"/>
+    <p:sldId id="281" r:id="rId23"/>
+    <p:sldId id="282" r:id="rId24"/>
+    <p:sldId id="283" r:id="rId25"/>
+    <p:sldId id="284" r:id="rId26"/>
+    <p:sldId id="261" r:id="rId27"/>
   </p:sldIdLst>
   <p:sldSz cx="9144000" cy="6858000" type="screen4x3"/>
   <p:notesSz cx="6858000" cy="9144000"/>
@@ -195,7 +217,7 @@
           <a:p>
             <a:fld id="{D6CB015B-B7FF-4093-8E19-9AD7339689D2}" type="datetimeFigureOut">
               <a:rPr lang="zh-CN" altLang="en-US" smtClean="0"/>
-              <a:t>2017/12/24</a:t>
+              <a:t>2017/12/25</a:t>
             </a:fld>
             <a:endParaRPr lang="zh-CN" altLang="en-US"/>
           </a:p>
@@ -506,6 +528,126 @@
         </p:nvSpPr>
         <p:spPr/>
         <p:txBody>
+          <a:bodyPr/>
+          <a:lstStyle/>
+          <a:p>
+            <a:r>
+              <a:rPr lang="en-US" altLang="zh-CN" dirty="0" smtClean="0"/>
+              <a:t>MULTI</a:t>
+            </a:r>
+          </a:p>
+          <a:p>
+            <a:r>
+              <a:rPr lang="en-US" altLang="zh-CN" dirty="0" smtClean="0"/>
+              <a:t>SET book-name "Mastering C++ in 21 days"</a:t>
+            </a:r>
+          </a:p>
+          <a:p>
+            <a:r>
+              <a:rPr lang="en-US" altLang="zh-CN" dirty="0" smtClean="0"/>
+              <a:t>GET book-name</a:t>
+            </a:r>
+          </a:p>
+          <a:p>
+            <a:r>
+              <a:rPr lang="en-US" altLang="zh-CN" dirty="0" smtClean="0"/>
+              <a:t>SADD tag "C++" "Programming" "Mastering Series"</a:t>
+            </a:r>
+          </a:p>
+          <a:p>
+            <a:r>
+              <a:rPr lang="en-US" altLang="zh-CN" dirty="0" smtClean="0"/>
+              <a:t>SMEMBERS tag</a:t>
+            </a:r>
+          </a:p>
+          <a:p>
+            <a:r>
+              <a:rPr lang="en-US" altLang="zh-CN" dirty="0" smtClean="0"/>
+              <a:t>EXEC</a:t>
+            </a:r>
+          </a:p>
+          <a:p>
+            <a:endParaRPr lang="zh-CN" altLang="en-US" dirty="0"/>
+          </a:p>
+        </p:txBody>
+      </p:sp>
+      <p:sp>
+        <p:nvSpPr>
+          <p:cNvPr id="4" name="灯片编号占位符 3"/>
+          <p:cNvSpPr>
+            <a:spLocks noGrp="1"/>
+          </p:cNvSpPr>
+          <p:nvPr>
+            <p:ph type="sldNum" sz="quarter" idx="10"/>
+          </p:nvPr>
+        </p:nvSpPr>
+        <p:spPr/>
+        <p:txBody>
+          <a:bodyPr/>
+          <a:lstStyle/>
+          <a:p>
+            <a:fld id="{CA0D3853-8341-4EF7-88B0-7903E13D8E54}" type="slidenum">
+              <a:rPr lang="zh-CN" altLang="en-US" smtClean="0"/>
+              <a:t>8</a:t>
+            </a:fld>
+            <a:endParaRPr lang="zh-CN" altLang="en-US"/>
+          </a:p>
+        </p:txBody>
+      </p:sp>
+    </p:spTree>
+    <p:extLst>
+      <p:ext uri="{BB962C8B-B14F-4D97-AF65-F5344CB8AC3E}">
+        <p14:creationId xmlns:p14="http://schemas.microsoft.com/office/powerpoint/2010/main" val="4107060701"/>
+      </p:ext>
+    </p:extLst>
+  </p:cSld>
+  <p:clrMapOvr>
+    <a:masterClrMapping/>
+  </p:clrMapOvr>
+</p:notes>
+</file>
+
+<file path=ppt/notesSlides/notesSlide2.xml><?xml version="1.0" encoding="utf-8"?>
+<p:notes xmlns:a="http://schemas.openxmlformats.org/drawingml/2006/main" xmlns:r="http://schemas.openxmlformats.org/officeDocument/2006/relationships" xmlns:p="http://schemas.openxmlformats.org/presentationml/2006/main">
+  <p:cSld>
+    <p:spTree>
+      <p:nvGrpSpPr>
+        <p:cNvPr id="1" name=""/>
+        <p:cNvGrpSpPr/>
+        <p:nvPr/>
+      </p:nvGrpSpPr>
+      <p:grpSpPr>
+        <a:xfrm>
+          <a:off x="0" y="0"/>
+          <a:ext cx="0" cy="0"/>
+          <a:chOff x="0" y="0"/>
+          <a:chExt cx="0" cy="0"/>
+        </a:xfrm>
+      </p:grpSpPr>
+      <p:sp>
+        <p:nvSpPr>
+          <p:cNvPr id="2" name="幻灯片图像占位符 1"/>
+          <p:cNvSpPr>
+            <a:spLocks noGrp="1" noRot="1" noChangeAspect="1"/>
+          </p:cNvSpPr>
+          <p:nvPr>
+            <p:ph type="sldImg"/>
+          </p:nvPr>
+        </p:nvSpPr>
+        <p:spPr/>
+      </p:sp>
+      <p:sp>
+        <p:nvSpPr>
+          <p:cNvPr id="3" name="备注占位符 2"/>
+          <p:cNvSpPr>
+            <a:spLocks noGrp="1"/>
+          </p:cNvSpPr>
+          <p:nvPr>
+            <p:ph type="body" idx="1"/>
+          </p:nvPr>
+        </p:nvSpPr>
+        <p:spPr/>
+        <p:txBody>
           <a:bodyPr>
             <a:normAutofit/>
           </a:bodyPr>
@@ -550,7 +692,7 @@
             <a:fld id="{96901A81-0F01-4EEE-B1B8-8AAFCC661EC4}" type="slidenum">
               <a:rPr lang="zh-CN" altLang="en-US" smtClean="0"/>
               <a:pPr/>
-              <a:t>3</a:t>
+              <a:t>25</a:t>
             </a:fld>
             <a:endParaRPr lang="zh-CN" altLang="en-US"/>
           </a:p>
@@ -2165,7 +2307,7 @@
             <a:fld id="{B35E7478-ADE7-4480-A214-01473DFE0029}" type="datetimeFigureOut">
               <a:rPr lang="zh-CN" altLang="en-US" smtClean="0"/>
               <a:pPr/>
-              <a:t>2017/12/24</a:t>
+              <a:t>2017/12/25</a:t>
             </a:fld>
             <a:endParaRPr lang="zh-CN" altLang="en-US"/>
           </a:p>
@@ -6030,7 +6172,7 @@
             <a:fld id="{B35E7478-ADE7-4480-A214-01473DFE0029}" type="datetimeFigureOut">
               <a:rPr lang="zh-CN" altLang="en-US" smtClean="0"/>
               <a:pPr/>
-              <a:t>2017/12/24</a:t>
+              <a:t>2017/12/25</a:t>
             </a:fld>
             <a:endParaRPr lang="zh-CN" altLang="en-US"/>
           </a:p>
@@ -7698,7 +7840,7 @@
             <a:fld id="{B35E7478-ADE7-4480-A214-01473DFE0029}" type="datetimeFigureOut">
               <a:rPr lang="zh-CN" altLang="en-US" smtClean="0"/>
               <a:pPr/>
-              <a:t>2017/12/24</a:t>
+              <a:t>2017/12/25</a:t>
             </a:fld>
             <a:endParaRPr lang="zh-CN" altLang="en-US"/>
           </a:p>
@@ -12002,7 +12144,7 @@
                 </a:solidFill>
               </a:rPr>
               <a:pPr/>
-              <a:t>2017/12/24</a:t>
+              <a:t>2017/12/25</a:t>
             </a:fld>
             <a:endParaRPr lang="zh-CN" altLang="en-US">
               <a:solidFill>
@@ -15920,7 +16062,7 @@
                 </a:solidFill>
               </a:rPr>
               <a:pPr/>
-              <a:t>2017/12/24</a:t>
+              <a:t>2017/12/25</a:t>
             </a:fld>
             <a:endParaRPr lang="zh-CN" altLang="en-US">
               <a:solidFill>
@@ -21771,7 +21913,7 @@
                 </a:solidFill>
               </a:rPr>
               <a:pPr/>
-              <a:t>2017/12/24</a:t>
+              <a:t>2017/12/25</a:t>
             </a:fld>
             <a:endParaRPr lang="zh-CN" altLang="en-US">
               <a:solidFill>
@@ -22361,7 +22503,7 @@
                 </a:solidFill>
               </a:rPr>
               <a:pPr/>
-              <a:t>2017/12/24</a:t>
+              <a:t>2017/12/25</a:t>
             </a:fld>
             <a:endParaRPr lang="zh-CN" altLang="en-US">
               <a:solidFill>
@@ -26065,7 +26207,7 @@
                 </a:solidFill>
               </a:rPr>
               <a:pPr/>
-              <a:t>2017/12/24</a:t>
+              <a:t>2017/12/25</a:t>
             </a:fld>
             <a:endParaRPr lang="zh-CN" altLang="en-US">
               <a:solidFill>
@@ -26199,7 +26341,7 @@
                 </a:solidFill>
               </a:rPr>
               <a:pPr/>
-              <a:t>2017/12/24</a:t>
+              <a:t>2017/12/25</a:t>
             </a:fld>
             <a:endParaRPr lang="zh-CN" altLang="en-US">
               <a:solidFill>
@@ -27028,7 +27170,7 @@
             <a:fld id="{B35E7478-ADE7-4480-A214-01473DFE0029}" type="datetimeFigureOut">
               <a:rPr lang="zh-CN" altLang="en-US" smtClean="0"/>
               <a:pPr/>
-              <a:t>2017/12/24</a:t>
+              <a:t>2017/12/25</a:t>
             </a:fld>
             <a:endParaRPr lang="zh-CN" altLang="en-US"/>
           </a:p>
@@ -32356,7 +32498,7 @@
             <a:fld id="{B35E7478-ADE7-4480-A214-01473DFE0029}" type="datetimeFigureOut">
               <a:rPr lang="zh-CN" altLang="en-US" smtClean="0"/>
               <a:pPr/>
-              <a:t>2017/12/24</a:t>
+              <a:t>2017/12/25</a:t>
             </a:fld>
             <a:endParaRPr lang="zh-CN" altLang="en-US"/>
           </a:p>
@@ -37710,7 +37852,7 @@
             <a:fld id="{B35E7478-ADE7-4480-A214-01473DFE0029}" type="datetimeFigureOut">
               <a:rPr lang="zh-CN" altLang="en-US" smtClean="0"/>
               <a:pPr/>
-              <a:t>2017/12/24</a:t>
+              <a:t>2017/12/25</a:t>
             </a:fld>
             <a:endParaRPr lang="zh-CN" altLang="en-US"/>
           </a:p>
@@ -37807,7 +37949,7 @@
             <a:fld id="{B35E7478-ADE7-4480-A214-01473DFE0029}" type="datetimeFigureOut">
               <a:rPr lang="zh-CN" altLang="en-US" smtClean="0"/>
               <a:pPr/>
-              <a:t>2017/12/24</a:t>
+              <a:t>2017/12/25</a:t>
             </a:fld>
             <a:endParaRPr lang="zh-CN" altLang="en-US"/>
           </a:p>
@@ -38093,7 +38235,7 @@
             <a:fld id="{B35E7478-ADE7-4480-A214-01473DFE0029}" type="datetimeFigureOut">
               <a:rPr lang="zh-CN" altLang="en-US" smtClean="0"/>
               <a:pPr/>
-              <a:t>2017/12/24</a:t>
+              <a:t>2017/12/25</a:t>
             </a:fld>
             <a:endParaRPr lang="zh-CN" altLang="en-US"/>
           </a:p>
@@ -38348,7 +38490,7 @@
             <a:fld id="{B35E7478-ADE7-4480-A214-01473DFE0029}" type="datetimeFigureOut">
               <a:rPr lang="zh-CN" altLang="en-US" smtClean="0"/>
               <a:pPr/>
-              <a:t>2017/12/24</a:t>
+              <a:t>2017/12/25</a:t>
             </a:fld>
             <a:endParaRPr lang="zh-CN" altLang="en-US"/>
           </a:p>
@@ -38520,7 +38662,7 @@
             <a:fld id="{B35E7478-ADE7-4480-A214-01473DFE0029}" type="datetimeFigureOut">
               <a:rPr lang="zh-CN" altLang="en-US" smtClean="0"/>
               <a:pPr/>
-              <a:t>2017/12/24</a:t>
+              <a:t>2017/12/25</a:t>
             </a:fld>
             <a:endParaRPr lang="zh-CN" altLang="en-US"/>
           </a:p>
@@ -38747,7 +38889,7 @@
             <a:fld id="{B35E7478-ADE7-4480-A214-01473DFE0029}" type="datetimeFigureOut">
               <a:rPr lang="zh-CN" altLang="en-US" smtClean="0"/>
               <a:pPr/>
-              <a:t>2017/12/24</a:t>
+              <a:t>2017/12/25</a:t>
             </a:fld>
             <a:endParaRPr lang="zh-CN" altLang="en-US"/>
           </a:p>
@@ -39283,7 +39425,7 @@
                 </a:solidFill>
               </a:rPr>
               <a:pPr/>
-              <a:t>2017/12/24</a:t>
+              <a:t>2017/12/25</a:t>
             </a:fld>
             <a:endParaRPr lang="zh-CN" altLang="en-US">
               <a:solidFill>
@@ -39755,6 +39897,1578 @@
 </p:sld>
 </file>
 
+<file path=ppt/slides/slide10.xml><?xml version="1.0" encoding="utf-8"?>
+<p:sld xmlns:a="http://schemas.openxmlformats.org/drawingml/2006/main" xmlns:r="http://schemas.openxmlformats.org/officeDocument/2006/relationships" xmlns:p="http://schemas.openxmlformats.org/presentationml/2006/main">
+  <p:cSld>
+    <p:spTree>
+      <p:nvGrpSpPr>
+        <p:cNvPr id="1" name=""/>
+        <p:cNvGrpSpPr/>
+        <p:nvPr/>
+      </p:nvGrpSpPr>
+      <p:grpSpPr>
+        <a:xfrm>
+          <a:off x="0" y="0"/>
+          <a:ext cx="0" cy="0"/>
+          <a:chOff x="0" y="0"/>
+          <a:chExt cx="0" cy="0"/>
+        </a:xfrm>
+      </p:grpSpPr>
+      <p:sp>
+        <p:nvSpPr>
+          <p:cNvPr id="2" name="标题 1"/>
+          <p:cNvSpPr>
+            <a:spLocks noGrp="1"/>
+          </p:cNvSpPr>
+          <p:nvPr>
+            <p:ph type="title"/>
+          </p:nvPr>
+        </p:nvSpPr>
+        <p:spPr/>
+        <p:txBody>
+          <a:bodyPr>
+            <a:normAutofit fontScale="90000"/>
+          </a:bodyPr>
+          <a:lstStyle/>
+          <a:p>
+            <a:r>
+              <a:rPr lang="en-US" altLang="zh-CN" dirty="0" err="1" smtClean="0"/>
+              <a:t>zset</a:t>
+            </a:r>
+            <a:r>
+              <a:rPr lang="en-US" altLang="zh-CN" dirty="0" smtClean="0"/>
+              <a:t>(</a:t>
+            </a:r>
+            <a:r>
+              <a:rPr lang="zh-CN" altLang="en-US" dirty="0" smtClean="0"/>
+              <a:t>有序</a:t>
+            </a:r>
+            <a:r>
+              <a:rPr lang="zh-CN" altLang="en-US" dirty="0"/>
+              <a:t>集合</a:t>
+            </a:r>
+            <a:r>
+              <a:rPr lang="en-US" altLang="zh-CN" dirty="0"/>
+              <a:t>)</a:t>
+            </a:r>
+            <a:endParaRPr lang="zh-CN" altLang="en-US" dirty="0"/>
+          </a:p>
+        </p:txBody>
+      </p:sp>
+      <p:sp>
+        <p:nvSpPr>
+          <p:cNvPr id="3" name="内容占位符 2"/>
+          <p:cNvSpPr>
+            <a:spLocks noGrp="1"/>
+          </p:cNvSpPr>
+          <p:nvPr>
+            <p:ph idx="1"/>
+          </p:nvPr>
+        </p:nvSpPr>
+        <p:spPr/>
+        <p:txBody>
+          <a:bodyPr/>
+          <a:lstStyle/>
+          <a:p>
+            <a:r>
+              <a:rPr lang="zh-CN" altLang="en-US" dirty="0"/>
+              <a:t>不同的是每个元素都会关联一个</a:t>
+            </a:r>
+            <a:r>
+              <a:rPr lang="en-US" altLang="zh-CN" dirty="0"/>
+              <a:t>double</a:t>
+            </a:r>
+            <a:r>
+              <a:rPr lang="zh-CN" altLang="en-US" dirty="0"/>
+              <a:t>类型的分数。</a:t>
+            </a:r>
+            <a:r>
+              <a:rPr lang="en-US" altLang="zh-CN" dirty="0" err="1"/>
+              <a:t>redis</a:t>
+            </a:r>
+            <a:r>
+              <a:rPr lang="zh-CN" altLang="en-US" dirty="0"/>
+              <a:t>正是通过分数来为集合中的成员进行从小到大的排序。</a:t>
+            </a:r>
+          </a:p>
+          <a:p>
+            <a:r>
+              <a:rPr lang="en-US" altLang="zh-CN" dirty="0" err="1"/>
+              <a:t>zset</a:t>
+            </a:r>
+            <a:r>
+              <a:rPr lang="zh-CN" altLang="en-US" dirty="0"/>
+              <a:t>的成员是唯一的</a:t>
+            </a:r>
+            <a:r>
+              <a:rPr lang="en-US" altLang="zh-CN" dirty="0"/>
+              <a:t>,</a:t>
+            </a:r>
+            <a:r>
+              <a:rPr lang="zh-CN" altLang="en-US" dirty="0"/>
+              <a:t>但分数</a:t>
+            </a:r>
+            <a:r>
+              <a:rPr lang="en-US" altLang="zh-CN" dirty="0"/>
+              <a:t>(score)</a:t>
+            </a:r>
+            <a:r>
+              <a:rPr lang="zh-CN" altLang="en-US" dirty="0"/>
+              <a:t>却可以重复。</a:t>
+            </a:r>
+          </a:p>
+        </p:txBody>
+      </p:sp>
+    </p:spTree>
+    <p:extLst>
+      <p:ext uri="{BB962C8B-B14F-4D97-AF65-F5344CB8AC3E}">
+        <p14:creationId xmlns:p14="http://schemas.microsoft.com/office/powerpoint/2010/main" val="2461312890"/>
+      </p:ext>
+    </p:extLst>
+  </p:cSld>
+  <p:clrMapOvr>
+    <a:masterClrMapping/>
+  </p:clrMapOvr>
+</p:sld>
+</file>
+
+<file path=ppt/slides/slide11.xml><?xml version="1.0" encoding="utf-8"?>
+<p:sld xmlns:a="http://schemas.openxmlformats.org/drawingml/2006/main" xmlns:r="http://schemas.openxmlformats.org/officeDocument/2006/relationships" xmlns:p="http://schemas.openxmlformats.org/presentationml/2006/main">
+  <p:cSld>
+    <p:spTree>
+      <p:nvGrpSpPr>
+        <p:cNvPr id="1" name=""/>
+        <p:cNvGrpSpPr/>
+        <p:nvPr/>
+      </p:nvGrpSpPr>
+      <p:grpSpPr>
+        <a:xfrm>
+          <a:off x="0" y="0"/>
+          <a:ext cx="0" cy="0"/>
+          <a:chOff x="0" y="0"/>
+          <a:chExt cx="0" cy="0"/>
+        </a:xfrm>
+      </p:grpSpPr>
+      <p:sp>
+        <p:nvSpPr>
+          <p:cNvPr id="2" name="标题 1"/>
+          <p:cNvSpPr>
+            <a:spLocks noGrp="1"/>
+          </p:cNvSpPr>
+          <p:nvPr>
+            <p:ph type="title"/>
+          </p:nvPr>
+        </p:nvSpPr>
+        <p:spPr/>
+        <p:txBody>
+          <a:bodyPr>
+            <a:normAutofit fontScale="90000"/>
+          </a:bodyPr>
+          <a:lstStyle/>
+          <a:p>
+            <a:r>
+              <a:rPr lang="en-US" altLang="zh-CN" dirty="0" err="1"/>
+              <a:t>zset</a:t>
+            </a:r>
+            <a:r>
+              <a:rPr lang="en-US" altLang="zh-CN" dirty="0"/>
+              <a:t>(</a:t>
+            </a:r>
+            <a:r>
+              <a:rPr lang="zh-CN" altLang="en-US" dirty="0"/>
+              <a:t>有序集合</a:t>
+            </a:r>
+            <a:r>
+              <a:rPr lang="en-US" altLang="zh-CN" dirty="0"/>
+              <a:t>)</a:t>
+            </a:r>
+            <a:endParaRPr lang="zh-CN" altLang="en-US" dirty="0"/>
+          </a:p>
+        </p:txBody>
+      </p:sp>
+      <p:sp>
+        <p:nvSpPr>
+          <p:cNvPr id="3" name="内容占位符 2"/>
+          <p:cNvSpPr>
+            <a:spLocks noGrp="1"/>
+          </p:cNvSpPr>
+          <p:nvPr>
+            <p:ph idx="1"/>
+          </p:nvPr>
+        </p:nvSpPr>
+        <p:spPr/>
+        <p:txBody>
+          <a:bodyPr/>
+          <a:lstStyle/>
+          <a:p>
+            <a:r>
+              <a:rPr lang="zh-CN" altLang="en-US" dirty="0"/>
+              <a:t>加入成员以及对应的分值到</a:t>
+            </a:r>
+            <a:r>
+              <a:rPr lang="en-US" altLang="zh-CN" dirty="0"/>
+              <a:t>ZSET</a:t>
+            </a:r>
+            <a:r>
+              <a:rPr lang="zh-CN" altLang="en-US" dirty="0" smtClean="0"/>
+              <a:t>：</a:t>
+            </a:r>
+            <a:endParaRPr lang="en-US" altLang="zh-CN" dirty="0" smtClean="0"/>
+          </a:p>
+          <a:p>
+            <a:pPr lvl="1"/>
+            <a:r>
+              <a:rPr lang="en-US" altLang="zh-CN" dirty="0" err="1" smtClean="0"/>
+              <a:t>zadd</a:t>
+            </a:r>
+            <a:r>
+              <a:rPr lang="en-US" altLang="zh-CN" dirty="0" smtClean="0"/>
+              <a:t> </a:t>
+            </a:r>
+            <a:r>
+              <a:rPr lang="en-US" altLang="zh-CN" dirty="0"/>
+              <a:t>key score item </a:t>
+            </a:r>
+          </a:p>
+          <a:p>
+            <a:r>
+              <a:rPr lang="zh-CN" altLang="en-US" dirty="0"/>
+              <a:t>以顺序次序从给定位置范围获取</a:t>
+            </a:r>
+            <a:r>
+              <a:rPr lang="en-US" altLang="zh-CN" dirty="0"/>
+              <a:t>ZSET</a:t>
+            </a:r>
+            <a:r>
+              <a:rPr lang="zh-CN" altLang="en-US" dirty="0"/>
+              <a:t>的项</a:t>
+            </a:r>
+            <a:r>
+              <a:rPr lang="zh-CN" altLang="en-US" dirty="0" smtClean="0"/>
+              <a:t>：</a:t>
+            </a:r>
+            <a:endParaRPr lang="en-US" altLang="zh-CN" dirty="0" smtClean="0"/>
+          </a:p>
+          <a:p>
+            <a:pPr lvl="1"/>
+            <a:r>
+              <a:rPr lang="en-US" altLang="zh-CN" dirty="0" err="1" smtClean="0"/>
+              <a:t>zrange</a:t>
+            </a:r>
+            <a:r>
+              <a:rPr lang="en-US" altLang="zh-CN" dirty="0" smtClean="0"/>
+              <a:t> </a:t>
+            </a:r>
+            <a:r>
+              <a:rPr lang="en-US" altLang="zh-CN" dirty="0"/>
+              <a:t>key start end</a:t>
+            </a:r>
+          </a:p>
+          <a:p>
+            <a:r>
+              <a:rPr lang="zh-CN" altLang="en-US" dirty="0"/>
+              <a:t>基于分值范围获取</a:t>
+            </a:r>
+            <a:r>
+              <a:rPr lang="en-US" altLang="zh-CN" dirty="0"/>
+              <a:t>ZSET</a:t>
+            </a:r>
+            <a:r>
+              <a:rPr lang="zh-CN" altLang="en-US" dirty="0"/>
+              <a:t>中的项</a:t>
+            </a:r>
+            <a:r>
+              <a:rPr lang="en-US" altLang="zh-CN" dirty="0"/>
+              <a:t>: </a:t>
+            </a:r>
+            <a:endParaRPr lang="en-US" altLang="zh-CN" dirty="0" smtClean="0"/>
+          </a:p>
+          <a:p>
+            <a:pPr lvl="1"/>
+            <a:r>
+              <a:rPr lang="en-US" altLang="zh-CN" dirty="0" err="1" smtClean="0"/>
+              <a:t>zrange</a:t>
+            </a:r>
+            <a:r>
+              <a:rPr lang="en-US" altLang="zh-CN" dirty="0" smtClean="0"/>
+              <a:t> </a:t>
+            </a:r>
+            <a:r>
+              <a:rPr lang="en-US" altLang="zh-CN" dirty="0"/>
+              <a:t>key </a:t>
+            </a:r>
+            <a:r>
+              <a:rPr lang="en-US" altLang="zh-CN" dirty="0" err="1"/>
+              <a:t>scoreStart</a:t>
+            </a:r>
+            <a:r>
+              <a:rPr lang="en-US" altLang="zh-CN" dirty="0"/>
+              <a:t> </a:t>
+            </a:r>
+            <a:r>
+              <a:rPr lang="en-US" altLang="zh-CN" dirty="0" err="1"/>
+              <a:t>scoreEnd</a:t>
+            </a:r>
+            <a:endParaRPr lang="en-US" altLang="zh-CN" dirty="0"/>
+          </a:p>
+          <a:p>
+            <a:r>
+              <a:rPr lang="zh-CN" altLang="en-US" dirty="0"/>
+              <a:t>删除</a:t>
+            </a:r>
+            <a:r>
+              <a:rPr lang="en-US" altLang="zh-CN" dirty="0"/>
+              <a:t>ZSET</a:t>
+            </a:r>
+            <a:r>
+              <a:rPr lang="zh-CN" altLang="en-US" dirty="0"/>
+              <a:t>中的项</a:t>
+            </a:r>
+            <a:r>
+              <a:rPr lang="en-US" altLang="zh-CN" dirty="0"/>
+              <a:t>: </a:t>
+            </a:r>
+            <a:endParaRPr lang="en-US" altLang="zh-CN" dirty="0" smtClean="0"/>
+          </a:p>
+          <a:p>
+            <a:pPr lvl="1"/>
+            <a:r>
+              <a:rPr lang="en-US" altLang="zh-CN" dirty="0" err="1" smtClean="0"/>
+              <a:t>zrem</a:t>
+            </a:r>
+            <a:r>
+              <a:rPr lang="en-US" altLang="zh-CN" dirty="0" smtClean="0"/>
+              <a:t> </a:t>
+            </a:r>
+            <a:r>
+              <a:rPr lang="en-US" altLang="zh-CN" dirty="0"/>
+              <a:t>key item</a:t>
+            </a:r>
+          </a:p>
+          <a:p>
+            <a:endParaRPr lang="zh-CN" altLang="en-US" dirty="0"/>
+          </a:p>
+        </p:txBody>
+      </p:sp>
+    </p:spTree>
+    <p:extLst>
+      <p:ext uri="{BB962C8B-B14F-4D97-AF65-F5344CB8AC3E}">
+        <p14:creationId xmlns:p14="http://schemas.microsoft.com/office/powerpoint/2010/main" val="3555309287"/>
+      </p:ext>
+    </p:extLst>
+  </p:cSld>
+  <p:clrMapOvr>
+    <a:masterClrMapping/>
+  </p:clrMapOvr>
+</p:sld>
+</file>
+
+<file path=ppt/slides/slide12.xml><?xml version="1.0" encoding="utf-8"?>
+<p:sld xmlns:a="http://schemas.openxmlformats.org/drawingml/2006/main" xmlns:r="http://schemas.openxmlformats.org/officeDocument/2006/relationships" xmlns:p="http://schemas.openxmlformats.org/presentationml/2006/main">
+  <p:cSld>
+    <p:spTree>
+      <p:nvGrpSpPr>
+        <p:cNvPr id="1" name=""/>
+        <p:cNvGrpSpPr/>
+        <p:nvPr/>
+      </p:nvGrpSpPr>
+      <p:grpSpPr>
+        <a:xfrm>
+          <a:off x="0" y="0"/>
+          <a:ext cx="0" cy="0"/>
+          <a:chOff x="0" y="0"/>
+          <a:chExt cx="0" cy="0"/>
+        </a:xfrm>
+      </p:grpSpPr>
+      <p:sp>
+        <p:nvSpPr>
+          <p:cNvPr id="2" name="标题 1"/>
+          <p:cNvSpPr>
+            <a:spLocks noGrp="1"/>
+          </p:cNvSpPr>
+          <p:nvPr>
+            <p:ph type="title"/>
+          </p:nvPr>
+        </p:nvSpPr>
+        <p:spPr/>
+        <p:txBody>
+          <a:bodyPr>
+            <a:normAutofit fontScale="90000"/>
+          </a:bodyPr>
+          <a:lstStyle/>
+          <a:p>
+            <a:r>
+              <a:rPr lang="en-US" altLang="zh-CN" dirty="0" err="1"/>
+              <a:t>Redis</a:t>
+            </a:r>
+            <a:r>
+              <a:rPr lang="en-US" altLang="zh-CN" dirty="0"/>
+              <a:t> </a:t>
+            </a:r>
+            <a:r>
+              <a:rPr lang="zh-CN" altLang="en-US" dirty="0"/>
+              <a:t>事务</a:t>
+            </a:r>
+          </a:p>
+        </p:txBody>
+      </p:sp>
+      <p:sp>
+        <p:nvSpPr>
+          <p:cNvPr id="3" name="内容占位符 2"/>
+          <p:cNvSpPr>
+            <a:spLocks noGrp="1"/>
+          </p:cNvSpPr>
+          <p:nvPr>
+            <p:ph idx="1"/>
+          </p:nvPr>
+        </p:nvSpPr>
+        <p:spPr/>
+        <p:txBody>
+          <a:bodyPr>
+            <a:normAutofit fontScale="92500" lnSpcReduction="20000"/>
+          </a:bodyPr>
+          <a:lstStyle/>
+          <a:p>
+            <a:r>
+              <a:rPr lang="en-US" altLang="zh-CN" dirty="0" err="1"/>
+              <a:t>Redis</a:t>
+            </a:r>
+            <a:r>
+              <a:rPr lang="en-US" altLang="zh-CN" dirty="0"/>
+              <a:t> </a:t>
+            </a:r>
+            <a:r>
+              <a:rPr lang="zh-CN" altLang="en-US" dirty="0"/>
+              <a:t>事务可以一次执行多个命令， 并且带有以下两个重要的保证</a:t>
+            </a:r>
+            <a:r>
+              <a:rPr lang="zh-CN" altLang="en-US" dirty="0" smtClean="0"/>
+              <a:t>：</a:t>
+            </a:r>
+            <a:endParaRPr lang="zh-CN" altLang="en-US" dirty="0"/>
+          </a:p>
+          <a:p>
+            <a:pPr lvl="1"/>
+            <a:r>
+              <a:rPr lang="zh-CN" altLang="en-US" dirty="0"/>
+              <a:t>事务是一个单独的隔离操作：事务中的所有命令都会序列化、按顺序地执行。事务在执行的过程中，不会被其他客户端发送来的命令请求所打断。</a:t>
+            </a:r>
+          </a:p>
+          <a:p>
+            <a:r>
+              <a:rPr lang="zh-CN" altLang="en-US" dirty="0"/>
+              <a:t>事务是一个原子操作：事务中的命令要么全部被执行，要么全部都不执行。</a:t>
+            </a:r>
+          </a:p>
+          <a:p>
+            <a:r>
+              <a:rPr lang="zh-CN" altLang="en-US" dirty="0"/>
+              <a:t>一个事务从开始到执行会经历以下三个阶段</a:t>
+            </a:r>
+            <a:r>
+              <a:rPr lang="zh-CN" altLang="en-US" dirty="0" smtClean="0"/>
+              <a:t>：</a:t>
+            </a:r>
+            <a:endParaRPr lang="zh-CN" altLang="en-US" dirty="0"/>
+          </a:p>
+          <a:p>
+            <a:pPr lvl="1"/>
+            <a:r>
+              <a:rPr lang="zh-CN" altLang="en-US" dirty="0"/>
+              <a:t>开始事务。</a:t>
+            </a:r>
+          </a:p>
+          <a:p>
+            <a:pPr lvl="1"/>
+            <a:r>
+              <a:rPr lang="zh-CN" altLang="en-US" dirty="0"/>
+              <a:t>命令入队。</a:t>
+            </a:r>
+          </a:p>
+          <a:p>
+            <a:pPr lvl="1"/>
+            <a:r>
+              <a:rPr lang="zh-CN" altLang="en-US" dirty="0"/>
+              <a:t>执行事务。</a:t>
+            </a:r>
+          </a:p>
+        </p:txBody>
+      </p:sp>
+    </p:spTree>
+    <p:extLst>
+      <p:ext uri="{BB962C8B-B14F-4D97-AF65-F5344CB8AC3E}">
+        <p14:creationId xmlns:p14="http://schemas.microsoft.com/office/powerpoint/2010/main" val="4002171932"/>
+      </p:ext>
+    </p:extLst>
+  </p:cSld>
+  <p:clrMapOvr>
+    <a:masterClrMapping/>
+  </p:clrMapOvr>
+</p:sld>
+</file>
+
+<file path=ppt/slides/slide13.xml><?xml version="1.0" encoding="utf-8"?>
+<p:sld xmlns:a="http://schemas.openxmlformats.org/drawingml/2006/main" xmlns:r="http://schemas.openxmlformats.org/officeDocument/2006/relationships" xmlns:p="http://schemas.openxmlformats.org/presentationml/2006/main">
+  <p:cSld>
+    <p:spTree>
+      <p:nvGrpSpPr>
+        <p:cNvPr id="1" name=""/>
+        <p:cNvGrpSpPr/>
+        <p:nvPr/>
+      </p:nvGrpSpPr>
+      <p:grpSpPr>
+        <a:xfrm>
+          <a:off x="0" y="0"/>
+          <a:ext cx="0" cy="0"/>
+          <a:chOff x="0" y="0"/>
+          <a:chExt cx="0" cy="0"/>
+        </a:xfrm>
+      </p:grpSpPr>
+      <p:sp>
+        <p:nvSpPr>
+          <p:cNvPr id="2" name="标题 1"/>
+          <p:cNvSpPr>
+            <a:spLocks noGrp="1"/>
+          </p:cNvSpPr>
+          <p:nvPr>
+            <p:ph type="title"/>
+          </p:nvPr>
+        </p:nvSpPr>
+        <p:spPr/>
+        <p:txBody>
+          <a:bodyPr>
+            <a:normAutofit fontScale="90000"/>
+          </a:bodyPr>
+          <a:lstStyle/>
+          <a:p>
+            <a:r>
+              <a:rPr lang="en-US" altLang="zh-CN" dirty="0" err="1"/>
+              <a:t>Redis</a:t>
+            </a:r>
+            <a:r>
+              <a:rPr lang="en-US" altLang="zh-CN" dirty="0"/>
+              <a:t> </a:t>
+            </a:r>
+            <a:r>
+              <a:rPr lang="zh-CN" altLang="en-US" dirty="0"/>
+              <a:t>事务命令</a:t>
+            </a:r>
+          </a:p>
+        </p:txBody>
+      </p:sp>
+      <p:sp>
+        <p:nvSpPr>
+          <p:cNvPr id="3" name="内容占位符 2"/>
+          <p:cNvSpPr>
+            <a:spLocks noGrp="1"/>
+          </p:cNvSpPr>
+          <p:nvPr>
+            <p:ph idx="1"/>
+          </p:nvPr>
+        </p:nvSpPr>
+        <p:spPr/>
+        <p:txBody>
+          <a:bodyPr>
+            <a:normAutofit fontScale="85000" lnSpcReduction="20000"/>
+          </a:bodyPr>
+          <a:lstStyle/>
+          <a:p>
+            <a:r>
+              <a:rPr lang="en-US" altLang="zh-CN" dirty="0"/>
+              <a:t>DISCARD </a:t>
+            </a:r>
+          </a:p>
+          <a:p>
+            <a:pPr lvl="1"/>
+            <a:r>
+              <a:rPr lang="zh-CN" altLang="en-US" dirty="0"/>
+              <a:t>取消事务，放弃执行事务块内的所有命令。</a:t>
+            </a:r>
+          </a:p>
+          <a:p>
+            <a:r>
+              <a:rPr lang="en-US" altLang="zh-CN" dirty="0"/>
+              <a:t>EXEC </a:t>
+            </a:r>
+          </a:p>
+          <a:p>
+            <a:pPr lvl="1"/>
+            <a:r>
+              <a:rPr lang="zh-CN" altLang="en-US" dirty="0"/>
+              <a:t>执行所有事务块内的命令。</a:t>
+            </a:r>
+          </a:p>
+          <a:p>
+            <a:r>
+              <a:rPr lang="en-US" altLang="zh-CN" dirty="0"/>
+              <a:t>MULTI </a:t>
+            </a:r>
+          </a:p>
+          <a:p>
+            <a:pPr lvl="1"/>
+            <a:r>
+              <a:rPr lang="zh-CN" altLang="en-US" dirty="0"/>
+              <a:t>标记一个事务块的开始。</a:t>
+            </a:r>
+          </a:p>
+          <a:p>
+            <a:r>
+              <a:rPr lang="en-US" altLang="zh-CN" dirty="0"/>
+              <a:t>UNWATCH </a:t>
+            </a:r>
+          </a:p>
+          <a:p>
+            <a:pPr lvl="1"/>
+            <a:r>
+              <a:rPr lang="zh-CN" altLang="en-US" dirty="0"/>
+              <a:t>取消 </a:t>
+            </a:r>
+            <a:r>
+              <a:rPr lang="en-US" altLang="zh-CN" dirty="0"/>
+              <a:t>WATCH </a:t>
+            </a:r>
+            <a:r>
+              <a:rPr lang="zh-CN" altLang="en-US" dirty="0"/>
+              <a:t>命令对所有 </a:t>
+            </a:r>
+            <a:r>
+              <a:rPr lang="en-US" altLang="zh-CN" dirty="0"/>
+              <a:t>key </a:t>
+            </a:r>
+            <a:r>
+              <a:rPr lang="zh-CN" altLang="en-US" dirty="0"/>
+              <a:t>的监视。</a:t>
+            </a:r>
+          </a:p>
+          <a:p>
+            <a:r>
+              <a:rPr lang="en-US" altLang="zh-CN" dirty="0"/>
+              <a:t>WATCH key [key ...] </a:t>
+            </a:r>
+          </a:p>
+          <a:p>
+            <a:pPr lvl="1"/>
+            <a:r>
+              <a:rPr lang="zh-CN" altLang="en-US" dirty="0"/>
+              <a:t>监视一个</a:t>
+            </a:r>
+            <a:r>
+              <a:rPr lang="en-US" altLang="zh-CN" dirty="0"/>
+              <a:t>(</a:t>
+            </a:r>
+            <a:r>
+              <a:rPr lang="zh-CN" altLang="en-US" dirty="0"/>
+              <a:t>或多个</a:t>
+            </a:r>
+            <a:r>
+              <a:rPr lang="en-US" altLang="zh-CN" dirty="0"/>
+              <a:t>) key </a:t>
+            </a:r>
+            <a:r>
+              <a:rPr lang="zh-CN" altLang="en-US" dirty="0"/>
+              <a:t>，如果在事务执行之前这个</a:t>
+            </a:r>
+            <a:r>
+              <a:rPr lang="en-US" altLang="zh-CN" dirty="0"/>
+              <a:t>(</a:t>
+            </a:r>
+            <a:r>
+              <a:rPr lang="zh-CN" altLang="en-US" dirty="0"/>
+              <a:t>或这些</a:t>
+            </a:r>
+            <a:r>
+              <a:rPr lang="en-US" altLang="zh-CN" dirty="0"/>
+              <a:t>) key </a:t>
+            </a:r>
+            <a:r>
+              <a:rPr lang="zh-CN" altLang="en-US" dirty="0"/>
+              <a:t>被其他命令所改动，那么事务将被打断。</a:t>
+            </a:r>
+          </a:p>
+        </p:txBody>
+      </p:sp>
+    </p:spTree>
+    <p:extLst>
+      <p:ext uri="{BB962C8B-B14F-4D97-AF65-F5344CB8AC3E}">
+        <p14:creationId xmlns:p14="http://schemas.microsoft.com/office/powerpoint/2010/main" val="3024267308"/>
+      </p:ext>
+    </p:extLst>
+  </p:cSld>
+  <p:clrMapOvr>
+    <a:masterClrMapping/>
+  </p:clrMapOvr>
+</p:sld>
+</file>
+
+<file path=ppt/slides/slide14.xml><?xml version="1.0" encoding="utf-8"?>
+<p:sld xmlns:a="http://schemas.openxmlformats.org/drawingml/2006/main" xmlns:r="http://schemas.openxmlformats.org/officeDocument/2006/relationships" xmlns:p="http://schemas.openxmlformats.org/presentationml/2006/main">
+  <p:cSld>
+    <p:spTree>
+      <p:nvGrpSpPr>
+        <p:cNvPr id="1" name=""/>
+        <p:cNvGrpSpPr/>
+        <p:nvPr/>
+      </p:nvGrpSpPr>
+      <p:grpSpPr>
+        <a:xfrm>
+          <a:off x="0" y="0"/>
+          <a:ext cx="0" cy="0"/>
+          <a:chOff x="0" y="0"/>
+          <a:chExt cx="0" cy="0"/>
+        </a:xfrm>
+      </p:grpSpPr>
+      <p:sp>
+        <p:nvSpPr>
+          <p:cNvPr id="2" name="标题 1"/>
+          <p:cNvSpPr>
+            <a:spLocks noGrp="1"/>
+          </p:cNvSpPr>
+          <p:nvPr>
+            <p:ph type="title"/>
+          </p:nvPr>
+        </p:nvSpPr>
+        <p:spPr/>
+        <p:txBody>
+          <a:bodyPr>
+            <a:normAutofit fontScale="90000"/>
+          </a:bodyPr>
+          <a:lstStyle/>
+          <a:p>
+            <a:r>
+              <a:rPr lang="zh-CN" altLang="en-US" dirty="0" smtClean="0"/>
+              <a:t>示例</a:t>
+            </a:r>
+            <a:endParaRPr lang="zh-CN" altLang="en-US" dirty="0"/>
+          </a:p>
+        </p:txBody>
+      </p:sp>
+      <p:sp>
+        <p:nvSpPr>
+          <p:cNvPr id="3" name="内容占位符 2"/>
+          <p:cNvSpPr>
+            <a:spLocks noGrp="1"/>
+          </p:cNvSpPr>
+          <p:nvPr>
+            <p:ph idx="1"/>
+          </p:nvPr>
+        </p:nvSpPr>
+        <p:spPr>
+          <a:xfrm>
+            <a:off x="457200" y="908720"/>
+            <a:ext cx="8229600" cy="5217443"/>
+          </a:xfrm>
+        </p:spPr>
+        <p:txBody>
+          <a:bodyPr>
+            <a:normAutofit fontScale="62500" lnSpcReduction="20000"/>
+          </a:bodyPr>
+          <a:lstStyle/>
+          <a:p>
+            <a:pPr marL="0" indent="0">
+              <a:buNone/>
+            </a:pPr>
+            <a:r>
+              <a:rPr lang="en-US" altLang="zh-CN" dirty="0" err="1"/>
+              <a:t>redis</a:t>
+            </a:r>
+            <a:r>
+              <a:rPr lang="en-US" altLang="zh-CN" dirty="0"/>
+              <a:t> 127.0.0.1:6379&gt; MULTI</a:t>
+            </a:r>
+          </a:p>
+          <a:p>
+            <a:pPr marL="0" indent="0">
+              <a:buNone/>
+            </a:pPr>
+            <a:r>
+              <a:rPr lang="en-US" altLang="zh-CN" dirty="0"/>
+              <a:t>OK</a:t>
+            </a:r>
+          </a:p>
+          <a:p>
+            <a:pPr marL="0" indent="0">
+              <a:buNone/>
+            </a:pPr>
+            <a:endParaRPr lang="en-US" altLang="zh-CN" dirty="0"/>
+          </a:p>
+          <a:p>
+            <a:pPr marL="0" indent="0">
+              <a:buNone/>
+            </a:pPr>
+            <a:r>
+              <a:rPr lang="en-US" altLang="zh-CN" dirty="0" err="1"/>
+              <a:t>redis</a:t>
+            </a:r>
+            <a:r>
+              <a:rPr lang="en-US" altLang="zh-CN" dirty="0"/>
+              <a:t> 127.0.0.1:6379&gt; SET book-name "Mastering C++ in 21 days"</a:t>
+            </a:r>
+          </a:p>
+          <a:p>
+            <a:pPr marL="0" indent="0">
+              <a:buNone/>
+            </a:pPr>
+            <a:r>
+              <a:rPr lang="en-US" altLang="zh-CN" dirty="0"/>
+              <a:t>QUEUED</a:t>
+            </a:r>
+          </a:p>
+          <a:p>
+            <a:pPr marL="0" indent="0">
+              <a:buNone/>
+            </a:pPr>
+            <a:endParaRPr lang="en-US" altLang="zh-CN" dirty="0"/>
+          </a:p>
+          <a:p>
+            <a:pPr marL="0" indent="0">
+              <a:buNone/>
+            </a:pPr>
+            <a:r>
+              <a:rPr lang="en-US" altLang="zh-CN" dirty="0" err="1"/>
+              <a:t>redis</a:t>
+            </a:r>
+            <a:r>
+              <a:rPr lang="en-US" altLang="zh-CN" dirty="0"/>
+              <a:t> 127.0.0.1:6379&gt; GET book-name</a:t>
+            </a:r>
+          </a:p>
+          <a:p>
+            <a:pPr marL="0" indent="0">
+              <a:buNone/>
+            </a:pPr>
+            <a:r>
+              <a:rPr lang="en-US" altLang="zh-CN" dirty="0"/>
+              <a:t>QUEUED</a:t>
+            </a:r>
+          </a:p>
+          <a:p>
+            <a:pPr marL="0" indent="0">
+              <a:buNone/>
+            </a:pPr>
+            <a:endParaRPr lang="en-US" altLang="zh-CN" dirty="0"/>
+          </a:p>
+          <a:p>
+            <a:pPr marL="0" indent="0">
+              <a:buNone/>
+            </a:pPr>
+            <a:r>
+              <a:rPr lang="en-US" altLang="zh-CN" dirty="0" err="1"/>
+              <a:t>redis</a:t>
+            </a:r>
+            <a:r>
+              <a:rPr lang="en-US" altLang="zh-CN" dirty="0"/>
+              <a:t> 127.0.0.1:6379&gt; SADD tag "C++" "Programming" "Mastering Series"</a:t>
+            </a:r>
+          </a:p>
+          <a:p>
+            <a:pPr marL="0" indent="0">
+              <a:buNone/>
+            </a:pPr>
+            <a:r>
+              <a:rPr lang="en-US" altLang="zh-CN" dirty="0"/>
+              <a:t>QUEUED</a:t>
+            </a:r>
+          </a:p>
+          <a:p>
+            <a:pPr marL="0" indent="0">
+              <a:buNone/>
+            </a:pPr>
+            <a:endParaRPr lang="en-US" altLang="zh-CN" dirty="0"/>
+          </a:p>
+          <a:p>
+            <a:pPr marL="0" indent="0">
+              <a:buNone/>
+            </a:pPr>
+            <a:r>
+              <a:rPr lang="en-US" altLang="zh-CN" dirty="0" err="1"/>
+              <a:t>redis</a:t>
+            </a:r>
+            <a:r>
+              <a:rPr lang="en-US" altLang="zh-CN" dirty="0"/>
+              <a:t> 127.0.0.1:6379&gt; SMEMBERS tag</a:t>
+            </a:r>
+          </a:p>
+          <a:p>
+            <a:pPr marL="0" indent="0">
+              <a:buNone/>
+            </a:pPr>
+            <a:r>
+              <a:rPr lang="en-US" altLang="zh-CN" dirty="0"/>
+              <a:t>QUEUED</a:t>
+            </a:r>
+          </a:p>
+          <a:p>
+            <a:pPr marL="0" indent="0">
+              <a:buNone/>
+            </a:pPr>
+            <a:endParaRPr lang="en-US" altLang="zh-CN" dirty="0"/>
+          </a:p>
+          <a:p>
+            <a:pPr marL="0" indent="0">
+              <a:buNone/>
+            </a:pPr>
+            <a:r>
+              <a:rPr lang="en-US" altLang="zh-CN" dirty="0" err="1"/>
+              <a:t>redis</a:t>
+            </a:r>
+            <a:r>
+              <a:rPr lang="en-US" altLang="zh-CN" dirty="0"/>
+              <a:t> 127.0.0.1:6379&gt; EXEC</a:t>
+            </a:r>
+            <a:endParaRPr lang="zh-CN" altLang="en-US" dirty="0"/>
+          </a:p>
+        </p:txBody>
+      </p:sp>
+    </p:spTree>
+    <p:extLst>
+      <p:ext uri="{BB962C8B-B14F-4D97-AF65-F5344CB8AC3E}">
+        <p14:creationId xmlns:p14="http://schemas.microsoft.com/office/powerpoint/2010/main" val="3239120960"/>
+      </p:ext>
+    </p:extLst>
+  </p:cSld>
+  <p:clrMapOvr>
+    <a:masterClrMapping/>
+  </p:clrMapOvr>
+</p:sld>
+</file>
+
+<file path=ppt/slides/slide15.xml><?xml version="1.0" encoding="utf-8"?>
+<p:sld xmlns:a="http://schemas.openxmlformats.org/drawingml/2006/main" xmlns:r="http://schemas.openxmlformats.org/officeDocument/2006/relationships" xmlns:p="http://schemas.openxmlformats.org/presentationml/2006/main">
+  <p:cSld>
+    <p:spTree>
+      <p:nvGrpSpPr>
+        <p:cNvPr id="1" name=""/>
+        <p:cNvGrpSpPr/>
+        <p:nvPr/>
+      </p:nvGrpSpPr>
+      <p:grpSpPr>
+        <a:xfrm>
+          <a:off x="0" y="0"/>
+          <a:ext cx="0" cy="0"/>
+          <a:chOff x="0" y="0"/>
+          <a:chExt cx="0" cy="0"/>
+        </a:xfrm>
+      </p:grpSpPr>
+      <p:sp>
+        <p:nvSpPr>
+          <p:cNvPr id="2" name="标题 1"/>
+          <p:cNvSpPr>
+            <a:spLocks noGrp="1"/>
+          </p:cNvSpPr>
+          <p:nvPr>
+            <p:ph type="title"/>
+          </p:nvPr>
+        </p:nvSpPr>
+        <p:spPr/>
+        <p:txBody>
+          <a:bodyPr>
+            <a:normAutofit fontScale="90000"/>
+          </a:bodyPr>
+          <a:lstStyle/>
+          <a:p>
+            <a:r>
+              <a:rPr lang="zh-CN" altLang="en-US" dirty="0" smtClean="0"/>
+              <a:t>脚本脚本</a:t>
+            </a:r>
+            <a:endParaRPr lang="zh-CN" altLang="en-US" dirty="0"/>
+          </a:p>
+        </p:txBody>
+      </p:sp>
+      <p:sp>
+        <p:nvSpPr>
+          <p:cNvPr id="3" name="内容占位符 2"/>
+          <p:cNvSpPr>
+            <a:spLocks noGrp="1"/>
+          </p:cNvSpPr>
+          <p:nvPr>
+            <p:ph idx="1"/>
+          </p:nvPr>
+        </p:nvSpPr>
+        <p:spPr/>
+        <p:txBody>
+          <a:bodyPr/>
+          <a:lstStyle/>
+          <a:p>
+            <a:r>
+              <a:rPr lang="en-US" altLang="zh-CN" dirty="0" err="1" smtClean="0"/>
+              <a:t>Redis</a:t>
+            </a:r>
+            <a:r>
+              <a:rPr lang="zh-CN" altLang="en-US" dirty="0" smtClean="0"/>
+              <a:t>使用 </a:t>
+            </a:r>
+            <a:r>
+              <a:rPr lang="en-US" altLang="zh-CN" dirty="0" err="1"/>
+              <a:t>Lua</a:t>
+            </a:r>
+            <a:r>
+              <a:rPr lang="en-US" altLang="zh-CN" dirty="0"/>
+              <a:t> </a:t>
+            </a:r>
+            <a:r>
+              <a:rPr lang="zh-CN" altLang="en-US" dirty="0"/>
+              <a:t>解释器来执行</a:t>
+            </a:r>
+            <a:r>
+              <a:rPr lang="zh-CN" altLang="en-US" dirty="0" smtClean="0"/>
+              <a:t>脚本</a:t>
+            </a:r>
+            <a:endParaRPr lang="en-US" altLang="zh-CN" dirty="0" smtClean="0"/>
+          </a:p>
+          <a:p>
+            <a:r>
+              <a:rPr lang="zh-CN" altLang="en-US" dirty="0" smtClean="0"/>
+              <a:t>减少客户机与服务器之间的交互次数</a:t>
+            </a:r>
+            <a:endParaRPr lang="zh-CN" altLang="en-US" dirty="0"/>
+          </a:p>
+        </p:txBody>
+      </p:sp>
+    </p:spTree>
+    <p:extLst>
+      <p:ext uri="{BB962C8B-B14F-4D97-AF65-F5344CB8AC3E}">
+        <p14:creationId xmlns:p14="http://schemas.microsoft.com/office/powerpoint/2010/main" val="4137806405"/>
+      </p:ext>
+    </p:extLst>
+  </p:cSld>
+  <p:clrMapOvr>
+    <a:masterClrMapping/>
+  </p:clrMapOvr>
+</p:sld>
+</file>
+
+<file path=ppt/slides/slide16.xml><?xml version="1.0" encoding="utf-8"?>
+<p:sld xmlns:a="http://schemas.openxmlformats.org/drawingml/2006/main" xmlns:r="http://schemas.openxmlformats.org/officeDocument/2006/relationships" xmlns:p="http://schemas.openxmlformats.org/presentationml/2006/main">
+  <p:cSld>
+    <p:spTree>
+      <p:nvGrpSpPr>
+        <p:cNvPr id="1" name=""/>
+        <p:cNvGrpSpPr/>
+        <p:nvPr/>
+      </p:nvGrpSpPr>
+      <p:grpSpPr>
+        <a:xfrm>
+          <a:off x="0" y="0"/>
+          <a:ext cx="0" cy="0"/>
+          <a:chOff x="0" y="0"/>
+          <a:chExt cx="0" cy="0"/>
+        </a:xfrm>
+      </p:grpSpPr>
+      <p:sp>
+        <p:nvSpPr>
+          <p:cNvPr id="2" name="标题 1"/>
+          <p:cNvSpPr>
+            <a:spLocks noGrp="1"/>
+          </p:cNvSpPr>
+          <p:nvPr>
+            <p:ph type="title"/>
+          </p:nvPr>
+        </p:nvSpPr>
+        <p:spPr/>
+        <p:txBody>
+          <a:bodyPr>
+            <a:normAutofit fontScale="90000"/>
+          </a:bodyPr>
+          <a:lstStyle/>
+          <a:p>
+            <a:r>
+              <a:rPr lang="zh-CN" altLang="en-US" dirty="0" smtClean="0"/>
+              <a:t>发布</a:t>
+            </a:r>
+            <a:r>
+              <a:rPr lang="en-US" altLang="zh-CN" dirty="0" smtClean="0"/>
+              <a:t>-</a:t>
+            </a:r>
+            <a:r>
+              <a:rPr lang="zh-CN" altLang="en-US" dirty="0" smtClean="0"/>
+              <a:t>订阅</a:t>
+            </a:r>
+            <a:endParaRPr lang="zh-CN" altLang="en-US" dirty="0"/>
+          </a:p>
+        </p:txBody>
+      </p:sp>
+      <p:pic>
+        <p:nvPicPr>
+          <p:cNvPr id="1026" name="Picture 2" descr="pubsub1"/>
+          <p:cNvPicPr>
+            <a:picLocks noGrp="1" noChangeAspect="1" noChangeArrowheads="1"/>
+          </p:cNvPicPr>
+          <p:nvPr>
+            <p:ph idx="1"/>
+          </p:nvPr>
+        </p:nvPicPr>
+        <p:blipFill>
+          <a:blip r:embed="rId2">
+            <a:extLst>
+              <a:ext uri="{28A0092B-C50C-407E-A947-70E740481C1C}">
+                <a14:useLocalDpi xmlns:a14="http://schemas.microsoft.com/office/drawing/2010/main" val="0"/>
+              </a:ext>
+            </a:extLst>
+          </a:blip>
+          <a:srcRect/>
+          <a:stretch>
+            <a:fillRect/>
+          </a:stretch>
+        </p:blipFill>
+        <p:spPr bwMode="auto">
+          <a:xfrm>
+            <a:off x="3203848" y="1196752"/>
+            <a:ext cx="3038095" cy="1885714"/>
+          </a:xfrm>
+          <a:prstGeom prst="rect">
+            <a:avLst/>
+          </a:prstGeom>
+          <a:noFill/>
+          <a:extLst>
+            <a:ext uri="{909E8E84-426E-40DD-AFC4-6F175D3DCCD1}">
+              <a14:hiddenFill xmlns:a14="http://schemas.microsoft.com/office/drawing/2010/main">
+                <a:solidFill>
+                  <a:srgbClr val="FFFFFF"/>
+                </a:solidFill>
+              </a14:hiddenFill>
+            </a:ext>
+          </a:extLst>
+        </p:spPr>
+      </p:pic>
+      <p:pic>
+        <p:nvPicPr>
+          <p:cNvPr id="1028" name="Picture 4" descr="pubsub2"/>
+          <p:cNvPicPr>
+            <a:picLocks noChangeAspect="1" noChangeArrowheads="1"/>
+          </p:cNvPicPr>
+          <p:nvPr/>
+        </p:nvPicPr>
+        <p:blipFill>
+          <a:blip r:embed="rId3">
+            <a:extLst>
+              <a:ext uri="{28A0092B-C50C-407E-A947-70E740481C1C}">
+                <a14:useLocalDpi xmlns:a14="http://schemas.microsoft.com/office/drawing/2010/main" val="0"/>
+              </a:ext>
+            </a:extLst>
+          </a:blip>
+          <a:srcRect/>
+          <a:stretch>
+            <a:fillRect/>
+          </a:stretch>
+        </p:blipFill>
+        <p:spPr bwMode="auto">
+          <a:xfrm>
+            <a:off x="3155950" y="3429000"/>
+            <a:ext cx="3000375" cy="2714626"/>
+          </a:xfrm>
+          <a:prstGeom prst="rect">
+            <a:avLst/>
+          </a:prstGeom>
+          <a:noFill/>
+          <a:extLst>
+            <a:ext uri="{909E8E84-426E-40DD-AFC4-6F175D3DCCD1}">
+              <a14:hiddenFill xmlns:a14="http://schemas.microsoft.com/office/drawing/2010/main">
+                <a:solidFill>
+                  <a:srgbClr val="FFFFFF"/>
+                </a:solidFill>
+              </a14:hiddenFill>
+            </a:ext>
+          </a:extLst>
+        </p:spPr>
+      </p:pic>
+    </p:spTree>
+    <p:extLst>
+      <p:ext uri="{BB962C8B-B14F-4D97-AF65-F5344CB8AC3E}">
+        <p14:creationId xmlns:p14="http://schemas.microsoft.com/office/powerpoint/2010/main" val="2169207393"/>
+      </p:ext>
+    </p:extLst>
+  </p:cSld>
+  <p:clrMapOvr>
+    <a:masterClrMapping/>
+  </p:clrMapOvr>
+</p:sld>
+</file>
+
+<file path=ppt/slides/slide17.xml><?xml version="1.0" encoding="utf-8"?>
+<p:sld xmlns:a="http://schemas.openxmlformats.org/drawingml/2006/main" xmlns:r="http://schemas.openxmlformats.org/officeDocument/2006/relationships" xmlns:p="http://schemas.openxmlformats.org/presentationml/2006/main">
+  <p:cSld>
+    <p:spTree>
+      <p:nvGrpSpPr>
+        <p:cNvPr id="1" name=""/>
+        <p:cNvGrpSpPr/>
+        <p:nvPr/>
+      </p:nvGrpSpPr>
+      <p:grpSpPr>
+        <a:xfrm>
+          <a:off x="0" y="0"/>
+          <a:ext cx="0" cy="0"/>
+          <a:chOff x="0" y="0"/>
+          <a:chExt cx="0" cy="0"/>
+        </a:xfrm>
+      </p:grpSpPr>
+      <p:sp>
+        <p:nvSpPr>
+          <p:cNvPr id="2" name="标题 1"/>
+          <p:cNvSpPr>
+            <a:spLocks noGrp="1"/>
+          </p:cNvSpPr>
+          <p:nvPr>
+            <p:ph type="title"/>
+          </p:nvPr>
+        </p:nvSpPr>
+        <p:spPr/>
+        <p:txBody>
+          <a:bodyPr>
+            <a:normAutofit fontScale="90000"/>
+          </a:bodyPr>
+          <a:lstStyle/>
+          <a:p>
+            <a:r>
+              <a:rPr lang="zh-CN" altLang="en-US" dirty="0"/>
+              <a:t>发布</a:t>
+            </a:r>
+            <a:r>
+              <a:rPr lang="en-US" altLang="zh-CN" dirty="0"/>
+              <a:t>-</a:t>
+            </a:r>
+            <a:r>
+              <a:rPr lang="zh-CN" altLang="en-US" dirty="0"/>
+              <a:t>订阅</a:t>
+            </a:r>
+          </a:p>
+        </p:txBody>
+      </p:sp>
+      <p:sp>
+        <p:nvSpPr>
+          <p:cNvPr id="3" name="内容占位符 2"/>
+          <p:cNvSpPr>
+            <a:spLocks noGrp="1"/>
+          </p:cNvSpPr>
+          <p:nvPr>
+            <p:ph idx="1"/>
+          </p:nvPr>
+        </p:nvSpPr>
+        <p:spPr/>
+        <p:txBody>
+          <a:bodyPr/>
+          <a:lstStyle/>
+          <a:p>
+            <a:r>
+              <a:rPr lang="zh-CN" altLang="en-US" dirty="0" smtClean="0"/>
+              <a:t>在一个</a:t>
+            </a:r>
+            <a:r>
+              <a:rPr lang="en-US" altLang="zh-CN" dirty="0" err="1" smtClean="0"/>
+              <a:t>redis</a:t>
+            </a:r>
+            <a:r>
+              <a:rPr lang="en-US" altLang="zh-CN" dirty="0" smtClean="0"/>
+              <a:t>-cli</a:t>
+            </a:r>
+            <a:r>
+              <a:rPr lang="zh-CN" altLang="en-US" dirty="0" smtClean="0"/>
+              <a:t>命令行：</a:t>
+            </a:r>
+            <a:endParaRPr lang="en-US" altLang="zh-CN" dirty="0" smtClean="0"/>
+          </a:p>
+          <a:p>
+            <a:pPr marL="0" indent="0">
+              <a:buNone/>
+            </a:pPr>
+            <a:r>
+              <a:rPr lang="en-US" altLang="zh-CN" dirty="0" err="1" smtClean="0"/>
+              <a:t>redis</a:t>
+            </a:r>
+            <a:r>
+              <a:rPr lang="en-US" altLang="zh-CN" dirty="0" smtClean="0"/>
+              <a:t> </a:t>
+            </a:r>
+            <a:r>
+              <a:rPr lang="en-US" altLang="zh-CN" dirty="0"/>
+              <a:t>127.0.0.1:6379&gt; SUBSCRIBE </a:t>
+            </a:r>
+            <a:r>
+              <a:rPr lang="en-US" altLang="zh-CN" dirty="0" err="1" smtClean="0"/>
+              <a:t>redisChat</a:t>
+            </a:r>
+            <a:endParaRPr lang="en-US" altLang="zh-CN" dirty="0" smtClean="0"/>
+          </a:p>
+          <a:p>
+            <a:r>
+              <a:rPr lang="zh-CN" altLang="en-US" dirty="0" smtClean="0"/>
+              <a:t>在另一个</a:t>
+            </a:r>
+            <a:r>
+              <a:rPr lang="en-US" altLang="zh-CN" dirty="0" err="1" smtClean="0"/>
+              <a:t>redis</a:t>
+            </a:r>
+            <a:r>
+              <a:rPr lang="en-US" altLang="zh-CN" dirty="0" smtClean="0"/>
+              <a:t>-cli</a:t>
+            </a:r>
+            <a:r>
+              <a:rPr lang="zh-CN" altLang="en-US" dirty="0" smtClean="0"/>
+              <a:t>命令行：</a:t>
+            </a:r>
+            <a:endParaRPr lang="en-US" altLang="zh-CN" dirty="0"/>
+          </a:p>
+          <a:p>
+            <a:pPr marL="0" indent="0">
+              <a:buNone/>
+            </a:pPr>
+            <a:r>
+              <a:rPr lang="en-US" altLang="zh-CN" dirty="0" err="1"/>
+              <a:t>redis</a:t>
+            </a:r>
+            <a:r>
+              <a:rPr lang="en-US" altLang="zh-CN" dirty="0"/>
+              <a:t> 127.0.0.1:6379&gt; PUBLISH </a:t>
+            </a:r>
+            <a:r>
+              <a:rPr lang="en-US" altLang="zh-CN" dirty="0" err="1"/>
+              <a:t>redisChat</a:t>
+            </a:r>
+            <a:r>
+              <a:rPr lang="en-US" altLang="zh-CN" dirty="0"/>
+              <a:t> "</a:t>
+            </a:r>
+            <a:r>
+              <a:rPr lang="en-US" altLang="zh-CN" dirty="0" smtClean="0"/>
+              <a:t>Learn </a:t>
+            </a:r>
+            <a:r>
+              <a:rPr lang="en-US" altLang="zh-CN" dirty="0" err="1"/>
+              <a:t>Redis</a:t>
+            </a:r>
+            <a:r>
+              <a:rPr lang="en-US" altLang="zh-CN" dirty="0"/>
+              <a:t>"</a:t>
+            </a:r>
+            <a:endParaRPr lang="zh-CN" altLang="en-US" dirty="0"/>
+          </a:p>
+        </p:txBody>
+      </p:sp>
+    </p:spTree>
+    <p:extLst>
+      <p:ext uri="{BB962C8B-B14F-4D97-AF65-F5344CB8AC3E}">
+        <p14:creationId xmlns:p14="http://schemas.microsoft.com/office/powerpoint/2010/main" val="572709690"/>
+      </p:ext>
+    </p:extLst>
+  </p:cSld>
+  <p:clrMapOvr>
+    <a:masterClrMapping/>
+  </p:clrMapOvr>
+</p:sld>
+</file>
+
+<file path=ppt/slides/slide18.xml><?xml version="1.0" encoding="utf-8"?>
+<p:sld xmlns:a="http://schemas.openxmlformats.org/drawingml/2006/main" xmlns:r="http://schemas.openxmlformats.org/officeDocument/2006/relationships" xmlns:p="http://schemas.openxmlformats.org/presentationml/2006/main">
+  <p:cSld>
+    <p:spTree>
+      <p:nvGrpSpPr>
+        <p:cNvPr id="1" name=""/>
+        <p:cNvGrpSpPr/>
+        <p:nvPr/>
+      </p:nvGrpSpPr>
+      <p:grpSpPr>
+        <a:xfrm>
+          <a:off x="0" y="0"/>
+          <a:ext cx="0" cy="0"/>
+          <a:chOff x="0" y="0"/>
+          <a:chExt cx="0" cy="0"/>
+        </a:xfrm>
+      </p:grpSpPr>
+      <p:sp>
+        <p:nvSpPr>
+          <p:cNvPr id="2" name="标题 1"/>
+          <p:cNvSpPr>
+            <a:spLocks noGrp="1"/>
+          </p:cNvSpPr>
+          <p:nvPr>
+            <p:ph type="title"/>
+          </p:nvPr>
+        </p:nvSpPr>
+        <p:spPr/>
+        <p:txBody>
+          <a:bodyPr>
+            <a:normAutofit fontScale="90000"/>
+          </a:bodyPr>
+          <a:lstStyle/>
+          <a:p>
+            <a:r>
+              <a:rPr lang="en-US" altLang="zh-CN" dirty="0" err="1" smtClean="0"/>
+              <a:t>Redis</a:t>
+            </a:r>
+            <a:r>
+              <a:rPr lang="zh-CN" altLang="en-US" dirty="0" smtClean="0"/>
+              <a:t>运维方面的内容</a:t>
+            </a:r>
+            <a:endParaRPr lang="zh-CN" altLang="en-US" dirty="0"/>
+          </a:p>
+        </p:txBody>
+      </p:sp>
+      <p:sp>
+        <p:nvSpPr>
+          <p:cNvPr id="3" name="内容占位符 2"/>
+          <p:cNvSpPr>
+            <a:spLocks noGrp="1"/>
+          </p:cNvSpPr>
+          <p:nvPr>
+            <p:ph idx="1"/>
+          </p:nvPr>
+        </p:nvSpPr>
+        <p:spPr/>
+        <p:txBody>
+          <a:bodyPr/>
+          <a:lstStyle/>
+          <a:p>
+            <a:r>
+              <a:rPr lang="zh-CN" altLang="en-US" dirty="0" smtClean="0"/>
+              <a:t>安全</a:t>
+            </a:r>
+            <a:endParaRPr lang="en-US" altLang="zh-CN" dirty="0" smtClean="0"/>
+          </a:p>
+          <a:p>
+            <a:r>
+              <a:rPr lang="zh-CN" altLang="en-US" dirty="0"/>
+              <a:t>数据备份与</a:t>
+            </a:r>
+            <a:r>
+              <a:rPr lang="zh-CN" altLang="en-US" dirty="0" smtClean="0"/>
+              <a:t>恢复</a:t>
+            </a:r>
+            <a:endParaRPr lang="en-US" altLang="zh-CN" dirty="0" smtClean="0"/>
+          </a:p>
+          <a:p>
+            <a:r>
+              <a:rPr lang="zh-CN" altLang="en-US" dirty="0" smtClean="0"/>
+              <a:t>主</a:t>
+            </a:r>
+            <a:r>
+              <a:rPr lang="en-US" altLang="zh-CN" dirty="0" smtClean="0"/>
+              <a:t>-</a:t>
+            </a:r>
+            <a:r>
+              <a:rPr lang="zh-CN" altLang="en-US" dirty="0" smtClean="0"/>
+              <a:t>从服务器</a:t>
+            </a:r>
+            <a:endParaRPr lang="en-US" altLang="zh-CN" dirty="0" smtClean="0"/>
+          </a:p>
+          <a:p>
+            <a:r>
+              <a:rPr lang="zh-CN" altLang="en-US" dirty="0" smtClean="0"/>
+              <a:t>集群服务器</a:t>
+            </a:r>
+            <a:endParaRPr lang="zh-CN" altLang="en-US" dirty="0"/>
+          </a:p>
+        </p:txBody>
+      </p:sp>
+    </p:spTree>
+    <p:extLst>
+      <p:ext uri="{BB962C8B-B14F-4D97-AF65-F5344CB8AC3E}">
+        <p14:creationId xmlns:p14="http://schemas.microsoft.com/office/powerpoint/2010/main" val="2022560135"/>
+      </p:ext>
+    </p:extLst>
+  </p:cSld>
+  <p:clrMapOvr>
+    <a:masterClrMapping/>
+  </p:clrMapOvr>
+</p:sld>
+</file>
+
+<file path=ppt/slides/slide19.xml><?xml version="1.0" encoding="utf-8"?>
+<p:sld xmlns:a="http://schemas.openxmlformats.org/drawingml/2006/main" xmlns:r="http://schemas.openxmlformats.org/officeDocument/2006/relationships" xmlns:p="http://schemas.openxmlformats.org/presentationml/2006/main">
+  <p:cSld>
+    <p:spTree>
+      <p:nvGrpSpPr>
+        <p:cNvPr id="1" name=""/>
+        <p:cNvGrpSpPr/>
+        <p:nvPr/>
+      </p:nvGrpSpPr>
+      <p:grpSpPr>
+        <a:xfrm>
+          <a:off x="0" y="0"/>
+          <a:ext cx="0" cy="0"/>
+          <a:chOff x="0" y="0"/>
+          <a:chExt cx="0" cy="0"/>
+        </a:xfrm>
+      </p:grpSpPr>
+      <p:sp>
+        <p:nvSpPr>
+          <p:cNvPr id="2" name="标题 1"/>
+          <p:cNvSpPr>
+            <a:spLocks noGrp="1"/>
+          </p:cNvSpPr>
+          <p:nvPr>
+            <p:ph type="title"/>
+          </p:nvPr>
+        </p:nvSpPr>
+        <p:spPr/>
+        <p:txBody>
+          <a:bodyPr>
+            <a:normAutofit fontScale="90000"/>
+          </a:bodyPr>
+          <a:lstStyle/>
+          <a:p>
+            <a:r>
+              <a:rPr lang="en-US" altLang="zh-CN" dirty="0" smtClean="0"/>
+              <a:t>Reddit</a:t>
+            </a:r>
+            <a:r>
+              <a:rPr lang="zh-CN" altLang="en-US" dirty="0" smtClean="0"/>
+              <a:t>文章投票网站</a:t>
+            </a:r>
+            <a:endParaRPr lang="zh-CN" altLang="en-US" dirty="0"/>
+          </a:p>
+        </p:txBody>
+      </p:sp>
+      <p:sp>
+        <p:nvSpPr>
+          <p:cNvPr id="3" name="内容占位符 2"/>
+          <p:cNvSpPr>
+            <a:spLocks noGrp="1"/>
+          </p:cNvSpPr>
+          <p:nvPr>
+            <p:ph idx="1"/>
+          </p:nvPr>
+        </p:nvSpPr>
+        <p:spPr/>
+        <p:txBody>
+          <a:bodyPr/>
+          <a:lstStyle/>
+          <a:p>
+            <a:r>
+              <a:rPr lang="zh-CN" altLang="en-US" dirty="0" smtClean="0"/>
+              <a:t>如果一篇文章获得至少</a:t>
+            </a:r>
+            <a:r>
+              <a:rPr lang="en-US" altLang="zh-CN" dirty="0" smtClean="0"/>
+              <a:t>200</a:t>
+            </a:r>
+            <a:r>
+              <a:rPr lang="zh-CN" altLang="en-US" dirty="0" smtClean="0"/>
+              <a:t>张支持票（暂时不支持反对票），则这篇文章被认为是有趣的文章，将这篇文章放到</a:t>
+            </a:r>
+            <a:r>
+              <a:rPr lang="en-US" altLang="zh-CN" dirty="0" smtClean="0"/>
+              <a:t>top 100</a:t>
+            </a:r>
+            <a:r>
+              <a:rPr lang="zh-CN" altLang="en-US" dirty="0" smtClean="0"/>
+              <a:t>至少一天</a:t>
+            </a:r>
+            <a:endParaRPr lang="zh-CN" altLang="en-US" dirty="0"/>
+          </a:p>
+        </p:txBody>
+      </p:sp>
+    </p:spTree>
+    <p:extLst>
+      <p:ext uri="{BB962C8B-B14F-4D97-AF65-F5344CB8AC3E}">
+        <p14:creationId xmlns:p14="http://schemas.microsoft.com/office/powerpoint/2010/main" val="3776289116"/>
+      </p:ext>
+    </p:extLst>
+  </p:cSld>
+  <p:clrMapOvr>
+    <a:masterClrMapping/>
+  </p:clrMapOvr>
+</p:sld>
+</file>
+
 <file path=ppt/slides/slide2.xml><?xml version="1.0" encoding="utf-8"?>
 <p:sld xmlns:a="http://schemas.openxmlformats.org/drawingml/2006/main" xmlns:r="http://schemas.openxmlformats.org/officeDocument/2006/relationships" xmlns:p="http://schemas.openxmlformats.org/presentationml/2006/main">
   <p:cSld>
@@ -39789,7 +41503,345 @@
           </a:bodyPr>
           <a:lstStyle/>
           <a:p>
-            <a:endParaRPr lang="zh-CN" altLang="en-US"/>
+            <a:r>
+              <a:rPr lang="en-US" altLang="zh-CN" dirty="0" err="1" smtClean="0"/>
+              <a:t>Redis</a:t>
+            </a:r>
+            <a:r>
+              <a:rPr lang="zh-CN" altLang="en-US" dirty="0" smtClean="0"/>
+              <a:t>特点</a:t>
+            </a:r>
+            <a:endParaRPr lang="zh-CN" altLang="en-US" dirty="0"/>
+          </a:p>
+        </p:txBody>
+      </p:sp>
+      <p:sp>
+        <p:nvSpPr>
+          <p:cNvPr id="3" name="内容占位符 2"/>
+          <p:cNvSpPr>
+            <a:spLocks noGrp="1"/>
+          </p:cNvSpPr>
+          <p:nvPr>
+            <p:ph idx="1"/>
+          </p:nvPr>
+        </p:nvSpPr>
+        <p:spPr>
+          <a:xfrm>
+            <a:off x="457200" y="1052736"/>
+            <a:ext cx="8229600" cy="5073427"/>
+          </a:xfrm>
+        </p:spPr>
+        <p:txBody>
+          <a:bodyPr/>
+          <a:lstStyle/>
+          <a:p>
+            <a:r>
+              <a:rPr lang="zh-CN" altLang="en-US" dirty="0" smtClean="0"/>
+              <a:t>单线程应用</a:t>
+            </a:r>
+            <a:endParaRPr lang="en-US" altLang="zh-CN" dirty="0" smtClean="0"/>
+          </a:p>
+          <a:p>
+            <a:r>
+              <a:rPr lang="zh-CN" altLang="en-US" dirty="0" smtClean="0"/>
+              <a:t>胜任高速缓存</a:t>
+            </a:r>
+            <a:endParaRPr lang="en-US" altLang="zh-CN" dirty="0" smtClean="0"/>
+          </a:p>
+          <a:p>
+            <a:r>
+              <a:rPr lang="en-US" altLang="zh-CN" dirty="0" smtClean="0"/>
+              <a:t>Key-Value</a:t>
+            </a:r>
+            <a:r>
+              <a:rPr lang="zh-CN" altLang="en-US" dirty="0" smtClean="0"/>
+              <a:t>存储，</a:t>
+            </a:r>
+            <a:r>
+              <a:rPr lang="en-US" altLang="zh-CN" dirty="0" smtClean="0"/>
+              <a:t>NoSQL</a:t>
+            </a:r>
+          </a:p>
+          <a:p>
+            <a:r>
+              <a:rPr lang="zh-CN" altLang="en-US" dirty="0"/>
+              <a:t>五种数据类型：</a:t>
+            </a:r>
+            <a:endParaRPr lang="en-US" altLang="zh-CN" dirty="0"/>
+          </a:p>
+          <a:p>
+            <a:pPr lvl="1"/>
+            <a:r>
+              <a:rPr lang="en-US" altLang="zh-CN" dirty="0"/>
+              <a:t>String(</a:t>
+            </a:r>
+            <a:r>
+              <a:rPr lang="zh-CN" altLang="en-US" dirty="0"/>
+              <a:t>串</a:t>
+            </a:r>
+            <a:r>
+              <a:rPr lang="en-US" altLang="zh-CN" dirty="0"/>
+              <a:t>)</a:t>
+            </a:r>
+          </a:p>
+          <a:p>
+            <a:pPr lvl="1"/>
+            <a:r>
+              <a:rPr lang="zh-CN" altLang="en-US" dirty="0"/>
+              <a:t>列表</a:t>
+            </a:r>
+            <a:r>
+              <a:rPr lang="en-US" altLang="zh-CN" dirty="0"/>
+              <a:t>(List)</a:t>
+            </a:r>
+          </a:p>
+          <a:p>
+            <a:pPr lvl="1"/>
+            <a:r>
+              <a:rPr lang="zh-CN" altLang="en-US" dirty="0"/>
+              <a:t>集合</a:t>
+            </a:r>
+            <a:r>
+              <a:rPr lang="en-US" altLang="zh-CN" dirty="0"/>
+              <a:t>(Set)</a:t>
+            </a:r>
+          </a:p>
+          <a:p>
+            <a:pPr lvl="1"/>
+            <a:r>
+              <a:rPr lang="zh-CN" altLang="en-US" dirty="0"/>
+              <a:t> 哈希表</a:t>
+            </a:r>
+            <a:r>
+              <a:rPr lang="en-US" altLang="zh-CN" dirty="0"/>
+              <a:t>(Hash)</a:t>
+            </a:r>
+            <a:r>
+              <a:rPr lang="zh-CN" altLang="en-US" dirty="0"/>
+              <a:t>、</a:t>
+            </a:r>
+            <a:endParaRPr lang="en-US" altLang="zh-CN" dirty="0"/>
+          </a:p>
+          <a:p>
+            <a:pPr lvl="1"/>
+            <a:r>
+              <a:rPr lang="zh-CN" altLang="en-US" dirty="0"/>
+              <a:t>有序集</a:t>
+            </a:r>
+            <a:r>
+              <a:rPr lang="en-US" altLang="zh-CN" dirty="0"/>
+              <a:t>(</a:t>
+            </a:r>
+            <a:r>
+              <a:rPr lang="en-US" altLang="zh-CN" dirty="0" err="1"/>
+              <a:t>zset</a:t>
+            </a:r>
+            <a:r>
+              <a:rPr lang="en-US" altLang="zh-CN" dirty="0"/>
+              <a:t>)</a:t>
+            </a:r>
+          </a:p>
+          <a:p>
+            <a:endParaRPr lang="en-US" altLang="zh-CN" dirty="0" smtClean="0"/>
+          </a:p>
+        </p:txBody>
+      </p:sp>
+    </p:spTree>
+    <p:extLst>
+      <p:ext uri="{BB962C8B-B14F-4D97-AF65-F5344CB8AC3E}">
+        <p14:creationId xmlns:p14="http://schemas.microsoft.com/office/powerpoint/2010/main" val="4205483353"/>
+      </p:ext>
+    </p:extLst>
+  </p:cSld>
+  <p:clrMapOvr>
+    <a:masterClrMapping/>
+  </p:clrMapOvr>
+</p:sld>
+</file>
+
+<file path=ppt/slides/slide20.xml><?xml version="1.0" encoding="utf-8"?>
+<p:sld xmlns:a="http://schemas.openxmlformats.org/drawingml/2006/main" xmlns:r="http://schemas.openxmlformats.org/officeDocument/2006/relationships" xmlns:p="http://schemas.openxmlformats.org/presentationml/2006/main">
+  <p:cSld>
+    <p:spTree>
+      <p:nvGrpSpPr>
+        <p:cNvPr id="1" name=""/>
+        <p:cNvGrpSpPr/>
+        <p:nvPr/>
+      </p:nvGrpSpPr>
+      <p:grpSpPr>
+        <a:xfrm>
+          <a:off x="0" y="0"/>
+          <a:ext cx="0" cy="0"/>
+          <a:chOff x="0" y="0"/>
+          <a:chExt cx="0" cy="0"/>
+        </a:xfrm>
+      </p:grpSpPr>
+      <p:sp>
+        <p:nvSpPr>
+          <p:cNvPr id="2" name="标题 1"/>
+          <p:cNvSpPr>
+            <a:spLocks noGrp="1"/>
+          </p:cNvSpPr>
+          <p:nvPr>
+            <p:ph type="title"/>
+          </p:nvPr>
+        </p:nvSpPr>
+        <p:spPr/>
+        <p:txBody>
+          <a:bodyPr>
+            <a:normAutofit fontScale="90000"/>
+          </a:bodyPr>
+          <a:lstStyle/>
+          <a:p>
+            <a:r>
+              <a:rPr lang="zh-CN" altLang="en-US" dirty="0" smtClean="0"/>
+              <a:t>使用</a:t>
+            </a:r>
+            <a:r>
+              <a:rPr lang="en-US" altLang="zh-CN" dirty="0" smtClean="0"/>
+              <a:t>Hash</a:t>
+            </a:r>
+            <a:r>
+              <a:rPr lang="zh-CN" altLang="en-US" dirty="0" smtClean="0"/>
+              <a:t>存储文章</a:t>
+            </a:r>
+            <a:endParaRPr lang="zh-CN" altLang="en-US" dirty="0"/>
+          </a:p>
+        </p:txBody>
+      </p:sp>
+      <p:sp>
+        <p:nvSpPr>
+          <p:cNvPr id="3" name="内容占位符 2"/>
+          <p:cNvSpPr>
+            <a:spLocks noGrp="1"/>
+          </p:cNvSpPr>
+          <p:nvPr>
+            <p:ph idx="1"/>
+          </p:nvPr>
+        </p:nvSpPr>
+        <p:spPr/>
+        <p:txBody>
+          <a:bodyPr/>
+          <a:lstStyle/>
+          <a:p>
+            <a:endParaRPr lang="zh-CN" altLang="en-US" dirty="0"/>
+          </a:p>
+        </p:txBody>
+      </p:sp>
+      <p:pic>
+        <p:nvPicPr>
+          <p:cNvPr id="2050" name="Picture 2"/>
+          <p:cNvPicPr>
+            <a:picLocks noChangeAspect="1" noChangeArrowheads="1"/>
+          </p:cNvPicPr>
+          <p:nvPr/>
+        </p:nvPicPr>
+        <p:blipFill>
+          <a:blip r:embed="rId2">
+            <a:extLst>
+              <a:ext uri="{28A0092B-C50C-407E-A947-70E740481C1C}">
+                <a14:useLocalDpi xmlns:a14="http://schemas.microsoft.com/office/drawing/2010/main" val="0"/>
+              </a:ext>
+            </a:extLst>
+          </a:blip>
+          <a:srcRect/>
+          <a:stretch>
+            <a:fillRect/>
+          </a:stretch>
+        </p:blipFill>
+        <p:spPr bwMode="auto">
+          <a:xfrm>
+            <a:off x="1907704" y="1700808"/>
+            <a:ext cx="5328592" cy="4004929"/>
+          </a:xfrm>
+          <a:prstGeom prst="rect">
+            <a:avLst/>
+          </a:prstGeom>
+          <a:noFill/>
+          <a:ln>
+            <a:noFill/>
+          </a:ln>
+          <a:extLst>
+            <a:ext uri="{909E8E84-426E-40DD-AFC4-6F175D3DCCD1}">
+              <a14:hiddenFill xmlns:a14="http://schemas.microsoft.com/office/drawing/2010/main">
+                <a:solidFill>
+                  <a:schemeClr val="accent1"/>
+                </a:solidFill>
+              </a14:hiddenFill>
+            </a:ext>
+            <a:ext uri="{91240B29-F687-4F45-9708-019B960494DF}">
+              <a14:hiddenLine xmlns:a14="http://schemas.microsoft.com/office/drawing/2010/main" w="9525">
+                <a:solidFill>
+                  <a:schemeClr val="tx1"/>
+                </a:solidFill>
+                <a:miter lim="800000"/>
+                <a:headEnd/>
+                <a:tailEnd/>
+              </a14:hiddenLine>
+            </a:ext>
+          </a:extLst>
+        </p:spPr>
+      </p:pic>
+    </p:spTree>
+    <p:extLst>
+      <p:ext uri="{BB962C8B-B14F-4D97-AF65-F5344CB8AC3E}">
+        <p14:creationId xmlns:p14="http://schemas.microsoft.com/office/powerpoint/2010/main" val="2594951481"/>
+      </p:ext>
+    </p:extLst>
+  </p:cSld>
+  <p:clrMapOvr>
+    <a:masterClrMapping/>
+  </p:clrMapOvr>
+</p:sld>
+</file>
+
+<file path=ppt/slides/slide21.xml><?xml version="1.0" encoding="utf-8"?>
+<p:sld xmlns:a="http://schemas.openxmlformats.org/drawingml/2006/main" xmlns:r="http://schemas.openxmlformats.org/officeDocument/2006/relationships" xmlns:p="http://schemas.openxmlformats.org/presentationml/2006/main">
+  <p:cSld>
+    <p:spTree>
+      <p:nvGrpSpPr>
+        <p:cNvPr id="1" name=""/>
+        <p:cNvGrpSpPr/>
+        <p:nvPr/>
+      </p:nvGrpSpPr>
+      <p:grpSpPr>
+        <a:xfrm>
+          <a:off x="0" y="0"/>
+          <a:ext cx="0" cy="0"/>
+          <a:chOff x="0" y="0"/>
+          <a:chExt cx="0" cy="0"/>
+        </a:xfrm>
+      </p:grpSpPr>
+      <p:sp>
+        <p:nvSpPr>
+          <p:cNvPr id="2" name="标题 1"/>
+          <p:cNvSpPr>
+            <a:spLocks noGrp="1"/>
+          </p:cNvSpPr>
+          <p:nvPr>
+            <p:ph type="title"/>
+          </p:nvPr>
+        </p:nvSpPr>
+        <p:spPr/>
+        <p:txBody>
+          <a:bodyPr>
+            <a:normAutofit fontScale="90000"/>
+          </a:bodyPr>
+          <a:lstStyle/>
+          <a:p>
+            <a:r>
+              <a:rPr lang="zh-CN" altLang="en-US" dirty="0" smtClean="0"/>
+              <a:t>有序集合</a:t>
+            </a:r>
+            <a:r>
+              <a:rPr lang="en-US" altLang="zh-CN" dirty="0" smtClean="0"/>
+              <a:t>-</a:t>
+            </a:r>
+            <a:r>
+              <a:rPr lang="zh-CN" altLang="en-US" dirty="0" smtClean="0"/>
+              <a:t>文章和它的发布时间</a:t>
+            </a:r>
+            <a:endParaRPr lang="zh-CN" altLang="en-US" dirty="0"/>
           </a:p>
         </p:txBody>
       </p:sp>
@@ -39812,10 +41864,64 @@
           </a:p>
         </p:txBody>
       </p:sp>
+      <p:pic>
+        <p:nvPicPr>
+          <p:cNvPr id="3074" name="Picture 2"/>
+          <p:cNvPicPr>
+            <a:picLocks noChangeAspect="1" noChangeArrowheads="1"/>
+          </p:cNvPicPr>
+          <p:nvPr/>
+        </p:nvPicPr>
+        <p:blipFill>
+          <a:blip r:embed="rId2">
+            <a:extLst>
+              <a:ext uri="{28A0092B-C50C-407E-A947-70E740481C1C}">
+                <a14:useLocalDpi xmlns:a14="http://schemas.microsoft.com/office/drawing/2010/main" val="0"/>
+              </a:ext>
+            </a:extLst>
+          </a:blip>
+          <a:srcRect/>
+          <a:stretch>
+            <a:fillRect/>
+          </a:stretch>
+        </p:blipFill>
+        <p:spPr bwMode="auto">
+          <a:xfrm>
+            <a:off x="899591" y="1700808"/>
+            <a:ext cx="7001393" cy="3456384"/>
+          </a:xfrm>
+          <a:prstGeom prst="rect">
+            <a:avLst/>
+          </a:prstGeom>
+          <a:noFill/>
+          <a:ln>
+            <a:noFill/>
+          </a:ln>
+          <a:extLst>
+            <a:ext uri="{909E8E84-426E-40DD-AFC4-6F175D3DCCD1}">
+              <a14:hiddenFill xmlns:a14="http://schemas.microsoft.com/office/drawing/2010/main">
+                <a:solidFill>
+                  <a:schemeClr val="accent1"/>
+                </a:solidFill>
+              </a14:hiddenFill>
+            </a:ext>
+            <a:ext uri="{91240B29-F687-4F45-9708-019B960494DF}">
+              <a14:hiddenLine xmlns:a14="http://schemas.microsoft.com/office/drawing/2010/main" w="9525">
+                <a:solidFill>
+                  <a:schemeClr val="tx1"/>
+                </a:solidFill>
+                <a:miter lim="800000"/>
+                <a:headEnd/>
+                <a:tailEnd/>
+              </a14:hiddenLine>
+            </a:ext>
+          </a:extLst>
+        </p:spPr>
+      </p:pic>
     </p:spTree>
     <p:extLst>
       <p:ext uri="{BB962C8B-B14F-4D97-AF65-F5344CB8AC3E}">
-        <p14:creationId xmlns:p14="http://schemas.microsoft.com/office/powerpoint/2010/main" val="4205483353"/>
+        <p14:creationId xmlns:p14="http://schemas.microsoft.com/office/powerpoint/2010/main" val="2462687600"/>
       </p:ext>
     </p:extLst>
   </p:cSld>
@@ -39825,7 +41931,340 @@
 </p:sld>
 </file>
 
-<file path=ppt/slides/slide3.xml><?xml version="1.0" encoding="utf-8"?>
+<file path=ppt/slides/slide22.xml><?xml version="1.0" encoding="utf-8"?>
+<p:sld xmlns:a="http://schemas.openxmlformats.org/drawingml/2006/main" xmlns:r="http://schemas.openxmlformats.org/officeDocument/2006/relationships" xmlns:p="http://schemas.openxmlformats.org/presentationml/2006/main">
+  <p:cSld>
+    <p:spTree>
+      <p:nvGrpSpPr>
+        <p:cNvPr id="1" name=""/>
+        <p:cNvGrpSpPr/>
+        <p:nvPr/>
+      </p:nvGrpSpPr>
+      <p:grpSpPr>
+        <a:xfrm>
+          <a:off x="0" y="0"/>
+          <a:ext cx="0" cy="0"/>
+          <a:chOff x="0" y="0"/>
+          <a:chExt cx="0" cy="0"/>
+        </a:xfrm>
+      </p:grpSpPr>
+      <p:sp>
+        <p:nvSpPr>
+          <p:cNvPr id="2" name="标题 1"/>
+          <p:cNvSpPr>
+            <a:spLocks noGrp="1"/>
+          </p:cNvSpPr>
+          <p:nvPr>
+            <p:ph type="title"/>
+          </p:nvPr>
+        </p:nvSpPr>
+        <p:spPr/>
+        <p:txBody>
+          <a:bodyPr>
+            <a:normAutofit fontScale="90000"/>
+          </a:bodyPr>
+          <a:lstStyle/>
+          <a:p>
+            <a:r>
+              <a:rPr lang="zh-CN" altLang="en-US" dirty="0"/>
+              <a:t>有序集合</a:t>
+            </a:r>
+            <a:r>
+              <a:rPr lang="en-US" altLang="zh-CN" dirty="0" smtClean="0"/>
+              <a:t>-</a:t>
+            </a:r>
+            <a:r>
+              <a:rPr lang="zh-CN" altLang="en-US" dirty="0" smtClean="0"/>
+              <a:t>文章和它的评分</a:t>
+            </a:r>
+            <a:endParaRPr lang="zh-CN" altLang="en-US" dirty="0"/>
+          </a:p>
+        </p:txBody>
+      </p:sp>
+      <p:sp>
+        <p:nvSpPr>
+          <p:cNvPr id="3" name="内容占位符 2"/>
+          <p:cNvSpPr>
+            <a:spLocks noGrp="1"/>
+          </p:cNvSpPr>
+          <p:nvPr>
+            <p:ph idx="1"/>
+          </p:nvPr>
+        </p:nvSpPr>
+        <p:spPr/>
+        <p:txBody>
+          <a:bodyPr/>
+          <a:lstStyle/>
+          <a:p>
+            <a:endParaRPr lang="zh-CN" altLang="en-US"/>
+          </a:p>
+        </p:txBody>
+      </p:sp>
+      <p:pic>
+        <p:nvPicPr>
+          <p:cNvPr id="4098" name="Picture 2"/>
+          <p:cNvPicPr>
+            <a:picLocks noChangeAspect="1" noChangeArrowheads="1"/>
+          </p:cNvPicPr>
+          <p:nvPr/>
+        </p:nvPicPr>
+        <p:blipFill>
+          <a:blip r:embed="rId2">
+            <a:extLst>
+              <a:ext uri="{28A0092B-C50C-407E-A947-70E740481C1C}">
+                <a14:useLocalDpi xmlns:a14="http://schemas.microsoft.com/office/drawing/2010/main" val="0"/>
+              </a:ext>
+            </a:extLst>
+          </a:blip>
+          <a:srcRect/>
+          <a:stretch>
+            <a:fillRect/>
+          </a:stretch>
+        </p:blipFill>
+        <p:spPr bwMode="auto">
+          <a:xfrm>
+            <a:off x="1475655" y="1795583"/>
+            <a:ext cx="6579731" cy="3096344"/>
+          </a:xfrm>
+          <a:prstGeom prst="rect">
+            <a:avLst/>
+          </a:prstGeom>
+          <a:noFill/>
+          <a:ln>
+            <a:noFill/>
+          </a:ln>
+          <a:extLst>
+            <a:ext uri="{909E8E84-426E-40DD-AFC4-6F175D3DCCD1}">
+              <a14:hiddenFill xmlns:a14="http://schemas.microsoft.com/office/drawing/2010/main">
+                <a:solidFill>
+                  <a:schemeClr val="accent1"/>
+                </a:solidFill>
+              </a14:hiddenFill>
+            </a:ext>
+            <a:ext uri="{91240B29-F687-4F45-9708-019B960494DF}">
+              <a14:hiddenLine xmlns:a14="http://schemas.microsoft.com/office/drawing/2010/main" w="9525">
+                <a:solidFill>
+                  <a:schemeClr val="tx1"/>
+                </a:solidFill>
+                <a:miter lim="800000"/>
+                <a:headEnd/>
+                <a:tailEnd/>
+              </a14:hiddenLine>
+            </a:ext>
+          </a:extLst>
+        </p:spPr>
+      </p:pic>
+    </p:spTree>
+    <p:extLst>
+      <p:ext uri="{BB962C8B-B14F-4D97-AF65-F5344CB8AC3E}">
+        <p14:creationId xmlns:p14="http://schemas.microsoft.com/office/powerpoint/2010/main" val="903579737"/>
+      </p:ext>
+    </p:extLst>
+  </p:cSld>
+  <p:clrMapOvr>
+    <a:masterClrMapping/>
+  </p:clrMapOvr>
+</p:sld>
+</file>
+
+<file path=ppt/slides/slide23.xml><?xml version="1.0" encoding="utf-8"?>
+<p:sld xmlns:a="http://schemas.openxmlformats.org/drawingml/2006/main" xmlns:r="http://schemas.openxmlformats.org/officeDocument/2006/relationships" xmlns:p="http://schemas.openxmlformats.org/presentationml/2006/main">
+  <p:cSld>
+    <p:spTree>
+      <p:nvGrpSpPr>
+        <p:cNvPr id="1" name=""/>
+        <p:cNvGrpSpPr/>
+        <p:nvPr/>
+      </p:nvGrpSpPr>
+      <p:grpSpPr>
+        <a:xfrm>
+          <a:off x="0" y="0"/>
+          <a:ext cx="0" cy="0"/>
+          <a:chOff x="0" y="0"/>
+          <a:chExt cx="0" cy="0"/>
+        </a:xfrm>
+      </p:grpSpPr>
+      <p:sp>
+        <p:nvSpPr>
+          <p:cNvPr id="2" name="标题 1"/>
+          <p:cNvSpPr>
+            <a:spLocks noGrp="1"/>
+          </p:cNvSpPr>
+          <p:nvPr>
+            <p:ph type="title"/>
+          </p:nvPr>
+        </p:nvSpPr>
+        <p:spPr/>
+        <p:txBody>
+          <a:bodyPr>
+            <a:normAutofit fontScale="90000"/>
+          </a:bodyPr>
+          <a:lstStyle/>
+          <a:p>
+            <a:r>
+              <a:rPr lang="zh-CN" altLang="en-US" dirty="0" smtClean="0"/>
+              <a:t>集合 </a:t>
+            </a:r>
+            <a:r>
+              <a:rPr lang="en-US" altLang="zh-CN" dirty="0" smtClean="0"/>
+              <a:t>– </a:t>
+            </a:r>
+            <a:r>
+              <a:rPr lang="zh-CN" altLang="en-US" dirty="0" smtClean="0"/>
+              <a:t>记录用户所投票的文章</a:t>
+            </a:r>
+            <a:endParaRPr lang="zh-CN" altLang="en-US" dirty="0"/>
+          </a:p>
+        </p:txBody>
+      </p:sp>
+      <p:pic>
+        <p:nvPicPr>
+          <p:cNvPr id="5122" name="Picture 2"/>
+          <p:cNvPicPr>
+            <a:picLocks noGrp="1" noChangeAspect="1" noChangeArrowheads="1"/>
+          </p:cNvPicPr>
+          <p:nvPr>
+            <p:ph idx="1"/>
+          </p:nvPr>
+        </p:nvPicPr>
+        <p:blipFill>
+          <a:blip r:embed="rId2">
+            <a:extLst>
+              <a:ext uri="{28A0092B-C50C-407E-A947-70E740481C1C}">
+                <a14:useLocalDpi xmlns:a14="http://schemas.microsoft.com/office/drawing/2010/main" val="0"/>
+              </a:ext>
+            </a:extLst>
+          </a:blip>
+          <a:srcRect/>
+          <a:stretch>
+            <a:fillRect/>
+          </a:stretch>
+        </p:blipFill>
+        <p:spPr bwMode="auto">
+          <a:xfrm>
+            <a:off x="1619672" y="1556792"/>
+            <a:ext cx="6264696" cy="3938392"/>
+          </a:xfrm>
+          <a:prstGeom prst="rect">
+            <a:avLst/>
+          </a:prstGeom>
+          <a:noFill/>
+          <a:ln>
+            <a:noFill/>
+          </a:ln>
+          <a:extLst>
+            <a:ext uri="{909E8E84-426E-40DD-AFC4-6F175D3DCCD1}">
+              <a14:hiddenFill xmlns:a14="http://schemas.microsoft.com/office/drawing/2010/main">
+                <a:solidFill>
+                  <a:schemeClr val="accent1"/>
+                </a:solidFill>
+              </a14:hiddenFill>
+            </a:ext>
+            <a:ext uri="{91240B29-F687-4F45-9708-019B960494DF}">
+              <a14:hiddenLine xmlns:a14="http://schemas.microsoft.com/office/drawing/2010/main" w="9525">
+                <a:solidFill>
+                  <a:schemeClr val="tx1"/>
+                </a:solidFill>
+                <a:miter lim="800000"/>
+                <a:headEnd/>
+                <a:tailEnd/>
+              </a14:hiddenLine>
+            </a:ext>
+          </a:extLst>
+        </p:spPr>
+      </p:pic>
+    </p:spTree>
+    <p:extLst>
+      <p:ext uri="{BB962C8B-B14F-4D97-AF65-F5344CB8AC3E}">
+        <p14:creationId xmlns:p14="http://schemas.microsoft.com/office/powerpoint/2010/main" val="3648126328"/>
+      </p:ext>
+    </p:extLst>
+  </p:cSld>
+  <p:clrMapOvr>
+    <a:masterClrMapping/>
+  </p:clrMapOvr>
+</p:sld>
+</file>
+
+<file path=ppt/slides/slide24.xml><?xml version="1.0" encoding="utf-8"?>
+<p:sld xmlns:a="http://schemas.openxmlformats.org/drawingml/2006/main" xmlns:r="http://schemas.openxmlformats.org/officeDocument/2006/relationships" xmlns:p="http://schemas.openxmlformats.org/presentationml/2006/main">
+  <p:cSld>
+    <p:spTree>
+      <p:nvGrpSpPr>
+        <p:cNvPr id="1" name=""/>
+        <p:cNvGrpSpPr/>
+        <p:nvPr/>
+      </p:nvGrpSpPr>
+      <p:grpSpPr>
+        <a:xfrm>
+          <a:off x="0" y="0"/>
+          <a:ext cx="0" cy="0"/>
+          <a:chOff x="0" y="0"/>
+          <a:chExt cx="0" cy="0"/>
+        </a:xfrm>
+      </p:grpSpPr>
+      <p:sp>
+        <p:nvSpPr>
+          <p:cNvPr id="2" name="标题 1"/>
+          <p:cNvSpPr>
+            <a:spLocks noGrp="1"/>
+          </p:cNvSpPr>
+          <p:nvPr>
+            <p:ph type="title"/>
+          </p:nvPr>
+        </p:nvSpPr>
+        <p:spPr/>
+        <p:txBody>
+          <a:bodyPr>
+            <a:normAutofit fontScale="90000"/>
+          </a:bodyPr>
+          <a:lstStyle/>
+          <a:p>
+            <a:r>
+              <a:rPr lang="zh-CN" altLang="en-US" dirty="0" smtClean="0"/>
+              <a:t>代码阅读</a:t>
+            </a:r>
+            <a:endParaRPr lang="zh-CN" altLang="en-US" dirty="0"/>
+          </a:p>
+        </p:txBody>
+      </p:sp>
+      <p:sp>
+        <p:nvSpPr>
+          <p:cNvPr id="3" name="内容占位符 2"/>
+          <p:cNvSpPr>
+            <a:spLocks noGrp="1"/>
+          </p:cNvSpPr>
+          <p:nvPr>
+            <p:ph idx="1"/>
+          </p:nvPr>
+        </p:nvSpPr>
+        <p:spPr/>
+        <p:txBody>
+          <a:bodyPr/>
+          <a:lstStyle/>
+          <a:p>
+            <a:r>
+              <a:rPr lang="zh-CN" altLang="en-US" dirty="0" smtClean="0"/>
+              <a:t>发表文章</a:t>
+            </a:r>
+            <a:endParaRPr lang="zh-CN" altLang="en-US" dirty="0"/>
+          </a:p>
+        </p:txBody>
+      </p:sp>
+    </p:spTree>
+    <p:extLst>
+      <p:ext uri="{BB962C8B-B14F-4D97-AF65-F5344CB8AC3E}">
+        <p14:creationId xmlns:p14="http://schemas.microsoft.com/office/powerpoint/2010/main" val="2759885081"/>
+      </p:ext>
+    </p:extLst>
+  </p:cSld>
+  <p:clrMapOvr>
+    <a:masterClrMapping/>
+  </p:clrMapOvr>
+</p:sld>
+</file>
+
+<file path=ppt/slides/slide25.xml><?xml version="1.0" encoding="utf-8"?>
 <p:sld xmlns:a="http://schemas.openxmlformats.org/drawingml/2006/main" xmlns:r="http://schemas.openxmlformats.org/officeDocument/2006/relationships" xmlns:p="http://schemas.openxmlformats.org/presentationml/2006/main">
   <p:cSld>
     <p:spTree>
@@ -39859,6 +42298,1543 @@
       </p:par>
     </p:tnLst>
   </p:timing>
+</p:sld>
+</file>
+
+<file path=ppt/slides/slide3.xml><?xml version="1.0" encoding="utf-8"?>
+<p:sld xmlns:a="http://schemas.openxmlformats.org/drawingml/2006/main" xmlns:r="http://schemas.openxmlformats.org/officeDocument/2006/relationships" xmlns:p="http://schemas.openxmlformats.org/presentationml/2006/main">
+  <p:cSld>
+    <p:spTree>
+      <p:nvGrpSpPr>
+        <p:cNvPr id="1" name=""/>
+        <p:cNvGrpSpPr/>
+        <p:nvPr/>
+      </p:nvGrpSpPr>
+      <p:grpSpPr>
+        <a:xfrm>
+          <a:off x="0" y="0"/>
+          <a:ext cx="0" cy="0"/>
+          <a:chOff x="0" y="0"/>
+          <a:chExt cx="0" cy="0"/>
+        </a:xfrm>
+      </p:grpSpPr>
+      <p:sp>
+        <p:nvSpPr>
+          <p:cNvPr id="2" name="标题 1"/>
+          <p:cNvSpPr>
+            <a:spLocks noGrp="1"/>
+          </p:cNvSpPr>
+          <p:nvPr>
+            <p:ph type="title"/>
+          </p:nvPr>
+        </p:nvSpPr>
+        <p:spPr/>
+        <p:txBody>
+          <a:bodyPr>
+            <a:normAutofit fontScale="90000"/>
+          </a:bodyPr>
+          <a:lstStyle/>
+          <a:p>
+            <a:r>
+              <a:rPr lang="zh-CN" altLang="en-US" dirty="0" smtClean="0"/>
+              <a:t>安装</a:t>
+            </a:r>
+            <a:endParaRPr lang="zh-CN" altLang="en-US" dirty="0"/>
+          </a:p>
+        </p:txBody>
+      </p:sp>
+      <p:sp>
+        <p:nvSpPr>
+          <p:cNvPr id="3" name="内容占位符 2"/>
+          <p:cNvSpPr>
+            <a:spLocks noGrp="1"/>
+          </p:cNvSpPr>
+          <p:nvPr>
+            <p:ph idx="1"/>
+          </p:nvPr>
+        </p:nvSpPr>
+        <p:spPr/>
+        <p:txBody>
+          <a:bodyPr/>
+          <a:lstStyle/>
+          <a:p>
+            <a:r>
+              <a:rPr lang="zh-CN" altLang="en-US" dirty="0" smtClean="0"/>
+              <a:t>启动服务器</a:t>
+            </a:r>
+            <a:endParaRPr lang="en-US" altLang="zh-CN" dirty="0" smtClean="0"/>
+          </a:p>
+          <a:p>
+            <a:pPr lvl="1"/>
+            <a:r>
+              <a:rPr lang="en-US" altLang="zh-CN" dirty="0" smtClean="0"/>
+              <a:t>redis-server.exe </a:t>
+            </a:r>
+            <a:r>
+              <a:rPr lang="en-US" altLang="zh-CN" dirty="0" err="1" smtClean="0"/>
+              <a:t>redis.windows.conf</a:t>
+            </a:r>
+            <a:endParaRPr lang="en-US" altLang="zh-CN" dirty="0" smtClean="0"/>
+          </a:p>
+          <a:p>
+            <a:pPr lvl="1"/>
+            <a:endParaRPr lang="en-US" altLang="zh-CN" dirty="0" smtClean="0"/>
+          </a:p>
+          <a:p>
+            <a:r>
+              <a:rPr lang="zh-CN" altLang="en-US" dirty="0" smtClean="0"/>
+              <a:t>启动客户端</a:t>
+            </a:r>
+            <a:endParaRPr lang="en-US" altLang="zh-CN" dirty="0" smtClean="0"/>
+          </a:p>
+          <a:p>
+            <a:pPr lvl="1"/>
+            <a:r>
+              <a:rPr lang="pt-BR" altLang="zh-CN" dirty="0"/>
+              <a:t>redis-cli -h </a:t>
+            </a:r>
+            <a:r>
+              <a:rPr lang="en-US" altLang="zh-CN" dirty="0" smtClean="0"/>
+              <a:t>host</a:t>
+            </a:r>
+            <a:r>
+              <a:rPr lang="pt-BR" altLang="zh-CN" dirty="0" smtClean="0"/>
+              <a:t> </a:t>
+            </a:r>
+            <a:r>
+              <a:rPr lang="pt-BR" altLang="zh-CN" dirty="0"/>
+              <a:t>-p </a:t>
+            </a:r>
+            <a:r>
+              <a:rPr lang="pt-BR" altLang="zh-CN" dirty="0" smtClean="0"/>
+              <a:t>port </a:t>
+            </a:r>
+            <a:endParaRPr lang="pt-BR" altLang="zh-CN" dirty="0"/>
+          </a:p>
+          <a:p>
+            <a:pPr lvl="1"/>
+            <a:r>
+              <a:rPr lang="pt-BR" altLang="zh-CN" dirty="0" smtClean="0"/>
+              <a:t>redis-cli </a:t>
+            </a:r>
+            <a:r>
+              <a:rPr lang="pt-BR" altLang="zh-CN" dirty="0"/>
+              <a:t>-h 127.0.0.1 -p 6379 </a:t>
+            </a:r>
+            <a:endParaRPr lang="zh-CN" altLang="en-US" dirty="0"/>
+          </a:p>
+        </p:txBody>
+      </p:sp>
+    </p:spTree>
+    <p:extLst>
+      <p:ext uri="{BB962C8B-B14F-4D97-AF65-F5344CB8AC3E}">
+        <p14:creationId xmlns:p14="http://schemas.microsoft.com/office/powerpoint/2010/main" val="1745051932"/>
+      </p:ext>
+    </p:extLst>
+  </p:cSld>
+  <p:clrMapOvr>
+    <a:masterClrMapping/>
+  </p:clrMapOvr>
+</p:sld>
+</file>
+
+<file path=ppt/slides/slide4.xml><?xml version="1.0" encoding="utf-8"?>
+<p:sld xmlns:a="http://schemas.openxmlformats.org/drawingml/2006/main" xmlns:r="http://schemas.openxmlformats.org/officeDocument/2006/relationships" xmlns:p="http://schemas.openxmlformats.org/presentationml/2006/main">
+  <p:cSld>
+    <p:spTree>
+      <p:nvGrpSpPr>
+        <p:cNvPr id="1" name=""/>
+        <p:cNvGrpSpPr/>
+        <p:nvPr/>
+      </p:nvGrpSpPr>
+      <p:grpSpPr>
+        <a:xfrm>
+          <a:off x="0" y="0"/>
+          <a:ext cx="0" cy="0"/>
+          <a:chOff x="0" y="0"/>
+          <a:chExt cx="0" cy="0"/>
+        </a:xfrm>
+      </p:grpSpPr>
+      <p:sp>
+        <p:nvSpPr>
+          <p:cNvPr id="2" name="标题 1"/>
+          <p:cNvSpPr>
+            <a:spLocks noGrp="1"/>
+          </p:cNvSpPr>
+          <p:nvPr>
+            <p:ph type="title"/>
+          </p:nvPr>
+        </p:nvSpPr>
+        <p:spPr/>
+        <p:txBody>
+          <a:bodyPr>
+            <a:normAutofit fontScale="90000"/>
+          </a:bodyPr>
+          <a:lstStyle/>
+          <a:p>
+            <a:r>
+              <a:rPr lang="zh-CN" altLang="en-US" dirty="0" smtClean="0"/>
+              <a:t>配置文件</a:t>
+            </a:r>
+            <a:endParaRPr lang="zh-CN" altLang="en-US" dirty="0"/>
+          </a:p>
+        </p:txBody>
+      </p:sp>
+      <p:sp>
+        <p:nvSpPr>
+          <p:cNvPr id="3" name="内容占位符 2"/>
+          <p:cNvSpPr>
+            <a:spLocks noGrp="1"/>
+          </p:cNvSpPr>
+          <p:nvPr>
+            <p:ph idx="1"/>
+          </p:nvPr>
+        </p:nvSpPr>
+        <p:spPr/>
+        <p:txBody>
+          <a:bodyPr/>
+          <a:lstStyle/>
+          <a:p>
+            <a:r>
+              <a:rPr lang="en-US" altLang="zh-CN" dirty="0" err="1" smtClean="0"/>
+              <a:t>redis.conf</a:t>
+            </a:r>
+            <a:endParaRPr lang="en-US" altLang="zh-CN" dirty="0" smtClean="0"/>
+          </a:p>
+          <a:p>
+            <a:pPr lvl="1"/>
+            <a:r>
+              <a:rPr lang="zh-CN" altLang="en-US" dirty="0"/>
+              <a:t>绑定的主机地址：</a:t>
+            </a:r>
+            <a:r>
+              <a:rPr lang="en-US" altLang="zh-CN" dirty="0" smtClean="0"/>
+              <a:t>bind  192.168.1.10</a:t>
+            </a:r>
+          </a:p>
+          <a:p>
+            <a:pPr lvl="1"/>
+            <a:r>
+              <a:rPr lang="zh-CN" altLang="en-US" dirty="0"/>
+              <a:t>监听端口，默认端口为</a:t>
+            </a:r>
+            <a:r>
+              <a:rPr lang="en-US" altLang="zh-CN" dirty="0" smtClean="0"/>
+              <a:t>6379, port 6379</a:t>
+            </a:r>
+          </a:p>
+          <a:p>
+            <a:pPr lvl="1"/>
+            <a:r>
+              <a:rPr lang="zh-CN" altLang="en-US" dirty="0"/>
+              <a:t>设置数据库的</a:t>
+            </a:r>
+            <a:r>
+              <a:rPr lang="zh-CN" altLang="en-US" dirty="0" smtClean="0"/>
+              <a:t>数量</a:t>
+            </a:r>
+            <a:endParaRPr lang="en-US" altLang="zh-CN" dirty="0" smtClean="0"/>
+          </a:p>
+          <a:p>
+            <a:pPr lvl="1"/>
+            <a:r>
+              <a:rPr lang="en-US" altLang="zh-CN" dirty="0"/>
+              <a:t>databases </a:t>
+            </a:r>
+            <a:r>
+              <a:rPr lang="en-US" altLang="zh-CN" dirty="0" smtClean="0"/>
+              <a:t>16</a:t>
+            </a:r>
+          </a:p>
+          <a:p>
+            <a:pPr lvl="1"/>
+            <a:r>
+              <a:rPr lang="en-US" altLang="zh-CN" dirty="0" smtClean="0"/>
+              <a:t>Master – Slave</a:t>
+            </a:r>
+            <a:r>
+              <a:rPr lang="zh-CN" altLang="en-US" dirty="0" smtClean="0"/>
+              <a:t>配置：主</a:t>
+            </a:r>
+            <a:r>
+              <a:rPr lang="en-US" altLang="zh-CN" dirty="0" smtClean="0"/>
+              <a:t>-</a:t>
+            </a:r>
+            <a:r>
+              <a:rPr lang="zh-CN" altLang="en-US" dirty="0" smtClean="0"/>
+              <a:t>从服务器</a:t>
+            </a:r>
+            <a:endParaRPr lang="en-US" altLang="zh-CN" dirty="0"/>
+          </a:p>
+          <a:p>
+            <a:pPr lvl="1"/>
+            <a:endParaRPr lang="zh-CN" altLang="en-US" dirty="0"/>
+          </a:p>
+        </p:txBody>
+      </p:sp>
+    </p:spTree>
+    <p:extLst>
+      <p:ext uri="{BB962C8B-B14F-4D97-AF65-F5344CB8AC3E}">
+        <p14:creationId xmlns:p14="http://schemas.microsoft.com/office/powerpoint/2010/main" val="1952988480"/>
+      </p:ext>
+    </p:extLst>
+  </p:cSld>
+  <p:clrMapOvr>
+    <a:masterClrMapping/>
+  </p:clrMapOvr>
+</p:sld>
+</file>
+
+<file path=ppt/slides/slide5.xml><?xml version="1.0" encoding="utf-8"?>
+<p:sld xmlns:a="http://schemas.openxmlformats.org/drawingml/2006/main" xmlns:r="http://schemas.openxmlformats.org/officeDocument/2006/relationships" xmlns:p="http://schemas.openxmlformats.org/presentationml/2006/main">
+  <p:cSld>
+    <p:spTree>
+      <p:nvGrpSpPr>
+        <p:cNvPr id="1" name=""/>
+        <p:cNvGrpSpPr/>
+        <p:nvPr/>
+      </p:nvGrpSpPr>
+      <p:grpSpPr>
+        <a:xfrm>
+          <a:off x="0" y="0"/>
+          <a:ext cx="0" cy="0"/>
+          <a:chOff x="0" y="0"/>
+          <a:chExt cx="0" cy="0"/>
+        </a:xfrm>
+      </p:grpSpPr>
+      <p:sp>
+        <p:nvSpPr>
+          <p:cNvPr id="2" name="标题 1"/>
+          <p:cNvSpPr>
+            <a:spLocks noGrp="1"/>
+          </p:cNvSpPr>
+          <p:nvPr>
+            <p:ph type="title"/>
+          </p:nvPr>
+        </p:nvSpPr>
+        <p:spPr/>
+        <p:txBody>
+          <a:bodyPr>
+            <a:normAutofit fontScale="90000"/>
+          </a:bodyPr>
+          <a:lstStyle/>
+          <a:p>
+            <a:r>
+              <a:rPr lang="en-US" altLang="zh-CN" dirty="0" err="1"/>
+              <a:t>Redis</a:t>
+            </a:r>
+            <a:r>
+              <a:rPr lang="en-US" altLang="zh-CN" dirty="0"/>
+              <a:t> </a:t>
+            </a:r>
+            <a:r>
+              <a:rPr lang="zh-CN" altLang="en-US" dirty="0" smtClean="0"/>
+              <a:t>服务器信息</a:t>
+            </a:r>
+            <a:endParaRPr lang="zh-CN" altLang="en-US" dirty="0"/>
+          </a:p>
+        </p:txBody>
+      </p:sp>
+      <p:sp>
+        <p:nvSpPr>
+          <p:cNvPr id="3" name="内容占位符 2"/>
+          <p:cNvSpPr>
+            <a:spLocks noGrp="1"/>
+          </p:cNvSpPr>
+          <p:nvPr>
+            <p:ph idx="1"/>
+          </p:nvPr>
+        </p:nvSpPr>
+        <p:spPr/>
+        <p:txBody>
+          <a:bodyPr/>
+          <a:lstStyle/>
+          <a:p>
+            <a:r>
+              <a:rPr lang="en-US" altLang="zh-CN" dirty="0" err="1"/>
+              <a:t>redis</a:t>
+            </a:r>
+            <a:r>
+              <a:rPr lang="en-US" altLang="zh-CN" dirty="0"/>
+              <a:t> 127.0.0.1:6379&gt; INFO</a:t>
+            </a:r>
+            <a:endParaRPr lang="zh-CN" altLang="en-US" dirty="0"/>
+          </a:p>
+        </p:txBody>
+      </p:sp>
+    </p:spTree>
+    <p:extLst>
+      <p:ext uri="{BB962C8B-B14F-4D97-AF65-F5344CB8AC3E}">
+        <p14:creationId xmlns:p14="http://schemas.microsoft.com/office/powerpoint/2010/main" val="4012554615"/>
+      </p:ext>
+    </p:extLst>
+  </p:cSld>
+  <p:clrMapOvr>
+    <a:masterClrMapping/>
+  </p:clrMapOvr>
+</p:sld>
+</file>
+
+<file path=ppt/slides/slide6.xml><?xml version="1.0" encoding="utf-8"?>
+<p:sld xmlns:a="http://schemas.openxmlformats.org/drawingml/2006/main" xmlns:r="http://schemas.openxmlformats.org/officeDocument/2006/relationships" xmlns:p="http://schemas.openxmlformats.org/presentationml/2006/main">
+  <p:cSld>
+    <p:spTree>
+      <p:nvGrpSpPr>
+        <p:cNvPr id="1" name=""/>
+        <p:cNvGrpSpPr/>
+        <p:nvPr/>
+      </p:nvGrpSpPr>
+      <p:grpSpPr>
+        <a:xfrm>
+          <a:off x="0" y="0"/>
+          <a:ext cx="0" cy="0"/>
+          <a:chOff x="0" y="0"/>
+          <a:chExt cx="0" cy="0"/>
+        </a:xfrm>
+      </p:grpSpPr>
+      <p:sp>
+        <p:nvSpPr>
+          <p:cNvPr id="2" name="标题 1"/>
+          <p:cNvSpPr>
+            <a:spLocks noGrp="1"/>
+          </p:cNvSpPr>
+          <p:nvPr>
+            <p:ph type="title"/>
+          </p:nvPr>
+        </p:nvSpPr>
+        <p:spPr/>
+        <p:txBody>
+          <a:bodyPr>
+            <a:normAutofit fontScale="90000"/>
+          </a:bodyPr>
+          <a:lstStyle/>
+          <a:p>
+            <a:r>
+              <a:rPr lang="en-US" altLang="zh-CN" dirty="0" smtClean="0"/>
+              <a:t>Strings</a:t>
+            </a:r>
+            <a:r>
+              <a:rPr lang="zh-CN" altLang="en-US" dirty="0"/>
+              <a:t>类型</a:t>
+            </a:r>
+          </a:p>
+        </p:txBody>
+      </p:sp>
+      <p:sp>
+        <p:nvSpPr>
+          <p:cNvPr id="3" name="内容占位符 2"/>
+          <p:cNvSpPr>
+            <a:spLocks noGrp="1"/>
+          </p:cNvSpPr>
+          <p:nvPr>
+            <p:ph idx="1"/>
+          </p:nvPr>
+        </p:nvSpPr>
+        <p:spPr/>
+        <p:txBody>
+          <a:bodyPr>
+            <a:normAutofit fontScale="92500"/>
+          </a:bodyPr>
+          <a:lstStyle/>
+          <a:p>
+            <a:r>
+              <a:rPr lang="zh-CN" altLang="en-US" dirty="0"/>
+              <a:t>设置给定</a:t>
+            </a:r>
+            <a:r>
+              <a:rPr lang="en-US" altLang="zh-CN" dirty="0"/>
+              <a:t>key</a:t>
+            </a:r>
+            <a:r>
+              <a:rPr lang="zh-CN" altLang="en-US" dirty="0"/>
+              <a:t>存储的</a:t>
+            </a:r>
+            <a:r>
+              <a:rPr lang="zh-CN" altLang="en-US" dirty="0" smtClean="0"/>
+              <a:t>数据</a:t>
+            </a:r>
+            <a:r>
+              <a:rPr lang="en-US" altLang="zh-CN" dirty="0" smtClean="0"/>
+              <a:t>: set key value</a:t>
+            </a:r>
+          </a:p>
+          <a:p>
+            <a:r>
+              <a:rPr lang="zh-CN" altLang="en-US" dirty="0"/>
+              <a:t>获取给定</a:t>
+            </a:r>
+            <a:r>
+              <a:rPr lang="en-US" altLang="zh-CN" dirty="0"/>
+              <a:t>key</a:t>
+            </a:r>
+            <a:r>
+              <a:rPr lang="zh-CN" altLang="en-US" dirty="0"/>
+              <a:t>存储的</a:t>
+            </a:r>
+            <a:r>
+              <a:rPr lang="zh-CN" altLang="en-US" dirty="0" smtClean="0"/>
+              <a:t>数据</a:t>
+            </a:r>
+            <a:r>
+              <a:rPr lang="en-US" altLang="zh-CN" dirty="0" smtClean="0"/>
+              <a:t>: get key</a:t>
+            </a:r>
+          </a:p>
+          <a:p>
+            <a:r>
+              <a:rPr lang="zh-CN" altLang="en-US" dirty="0"/>
+              <a:t>删除给定</a:t>
+            </a:r>
+            <a:r>
+              <a:rPr lang="en-US" altLang="zh-CN" dirty="0"/>
+              <a:t>key</a:t>
+            </a:r>
+            <a:r>
+              <a:rPr lang="zh-CN" altLang="en-US" dirty="0"/>
+              <a:t>存储的</a:t>
+            </a:r>
+            <a:r>
+              <a:rPr lang="zh-CN" altLang="en-US" dirty="0" smtClean="0"/>
+              <a:t>数据</a:t>
+            </a:r>
+            <a:r>
+              <a:rPr lang="en-US" altLang="zh-CN" dirty="0" smtClean="0"/>
+              <a:t>: del key</a:t>
+            </a:r>
+          </a:p>
+          <a:p>
+            <a:pPr marL="0" indent="0">
+              <a:buNone/>
+            </a:pPr>
+            <a:endParaRPr lang="en-US" altLang="zh-CN" dirty="0"/>
+          </a:p>
+          <a:p>
+            <a:pPr marL="0" indent="0">
+              <a:buNone/>
+            </a:pPr>
+            <a:r>
+              <a:rPr lang="en-US" altLang="zh-CN" dirty="0" err="1"/>
+              <a:t>redis</a:t>
+            </a:r>
+            <a:r>
+              <a:rPr lang="en-US" altLang="zh-CN" dirty="0"/>
+              <a:t> 127.0.0.1:6379&gt; SET name "</a:t>
+            </a:r>
+            <a:r>
+              <a:rPr lang="en-US" altLang="zh-CN" dirty="0" err="1"/>
+              <a:t>runoob</a:t>
+            </a:r>
+            <a:r>
+              <a:rPr lang="en-US" altLang="zh-CN" dirty="0"/>
+              <a:t>"</a:t>
+            </a:r>
+          </a:p>
+          <a:p>
+            <a:pPr marL="0" indent="0">
+              <a:buNone/>
+            </a:pPr>
+            <a:r>
+              <a:rPr lang="en-US" altLang="zh-CN" dirty="0"/>
+              <a:t>OK</a:t>
+            </a:r>
+          </a:p>
+          <a:p>
+            <a:pPr marL="0" indent="0">
+              <a:buNone/>
+            </a:pPr>
+            <a:r>
+              <a:rPr lang="en-US" altLang="zh-CN" dirty="0" err="1"/>
+              <a:t>redis</a:t>
+            </a:r>
+            <a:r>
+              <a:rPr lang="en-US" altLang="zh-CN" dirty="0"/>
+              <a:t> 127.0.0.1:6379&gt; GET name</a:t>
+            </a:r>
+          </a:p>
+          <a:p>
+            <a:pPr marL="0" indent="0">
+              <a:buNone/>
+            </a:pPr>
+            <a:r>
+              <a:rPr lang="en-US" altLang="zh-CN" dirty="0"/>
+              <a:t>"</a:t>
+            </a:r>
+            <a:r>
+              <a:rPr lang="en-US" altLang="zh-CN" dirty="0" err="1" smtClean="0"/>
+              <a:t>runoob</a:t>
+            </a:r>
+            <a:r>
+              <a:rPr lang="en-US" altLang="zh-CN" dirty="0" smtClean="0"/>
+              <a:t>“</a:t>
+            </a:r>
+          </a:p>
+          <a:p>
+            <a:pPr marL="0" indent="0">
+              <a:buNone/>
+            </a:pPr>
+            <a:endParaRPr lang="zh-CN" altLang="en-US" dirty="0"/>
+          </a:p>
+        </p:txBody>
+      </p:sp>
+    </p:spTree>
+    <p:extLst>
+      <p:ext uri="{BB962C8B-B14F-4D97-AF65-F5344CB8AC3E}">
+        <p14:creationId xmlns:p14="http://schemas.microsoft.com/office/powerpoint/2010/main" val="4164292541"/>
+      </p:ext>
+    </p:extLst>
+  </p:cSld>
+  <p:clrMapOvr>
+    <a:masterClrMapping/>
+  </p:clrMapOvr>
+</p:sld>
+</file>
+
+<file path=ppt/slides/slide7.xml><?xml version="1.0" encoding="utf-8"?>
+<p:sld xmlns:a="http://schemas.openxmlformats.org/drawingml/2006/main" xmlns:r="http://schemas.openxmlformats.org/officeDocument/2006/relationships" xmlns:p="http://schemas.openxmlformats.org/presentationml/2006/main">
+  <p:cSld>
+    <p:spTree>
+      <p:nvGrpSpPr>
+        <p:cNvPr id="1" name=""/>
+        <p:cNvGrpSpPr/>
+        <p:nvPr/>
+      </p:nvGrpSpPr>
+      <p:grpSpPr>
+        <a:xfrm>
+          <a:off x="0" y="0"/>
+          <a:ext cx="0" cy="0"/>
+          <a:chOff x="0" y="0"/>
+          <a:chExt cx="0" cy="0"/>
+        </a:xfrm>
+      </p:grpSpPr>
+      <p:sp>
+        <p:nvSpPr>
+          <p:cNvPr id="2" name="标题 1"/>
+          <p:cNvSpPr>
+            <a:spLocks noGrp="1"/>
+          </p:cNvSpPr>
+          <p:nvPr>
+            <p:ph type="title"/>
+          </p:nvPr>
+        </p:nvSpPr>
+        <p:spPr/>
+        <p:txBody>
+          <a:bodyPr>
+            <a:normAutofit fontScale="90000"/>
+          </a:bodyPr>
+          <a:lstStyle/>
+          <a:p>
+            <a:r>
+              <a:rPr lang="en-US" altLang="zh-CN" dirty="0"/>
+              <a:t>Lists</a:t>
+            </a:r>
+            <a:r>
+              <a:rPr lang="zh-CN" altLang="en-US" dirty="0"/>
+              <a:t>类型</a:t>
+            </a:r>
+          </a:p>
+        </p:txBody>
+      </p:sp>
+      <p:sp>
+        <p:nvSpPr>
+          <p:cNvPr id="3" name="内容占位符 2"/>
+          <p:cNvSpPr>
+            <a:spLocks noGrp="1"/>
+          </p:cNvSpPr>
+          <p:nvPr>
+            <p:ph idx="1"/>
+          </p:nvPr>
+        </p:nvSpPr>
+        <p:spPr>
+          <a:xfrm>
+            <a:off x="179512" y="764704"/>
+            <a:ext cx="8507288" cy="5361459"/>
+          </a:xfrm>
+        </p:spPr>
+        <p:txBody>
+          <a:bodyPr>
+            <a:normAutofit fontScale="85000" lnSpcReduction="20000"/>
+          </a:bodyPr>
+          <a:lstStyle/>
+          <a:p>
+            <a:r>
+              <a:rPr lang="zh-CN" altLang="en-US" dirty="0" smtClean="0"/>
+              <a:t>从左</a:t>
+            </a:r>
+            <a:r>
+              <a:rPr lang="en-US" altLang="zh-CN" dirty="0" smtClean="0"/>
+              <a:t>/</a:t>
+            </a:r>
+            <a:r>
+              <a:rPr lang="zh-CN" altLang="en-US" dirty="0" smtClean="0"/>
+              <a:t>右边</a:t>
+            </a:r>
+            <a:r>
+              <a:rPr lang="zh-CN" altLang="en-US" dirty="0"/>
+              <a:t>压入</a:t>
+            </a:r>
+            <a:r>
+              <a:rPr lang="zh-CN" altLang="en-US" dirty="0" smtClean="0"/>
+              <a:t>数据</a:t>
+            </a:r>
+            <a:r>
+              <a:rPr lang="en-US" altLang="zh-CN" dirty="0"/>
+              <a:t>: </a:t>
+            </a:r>
+            <a:r>
+              <a:rPr lang="en-US" altLang="zh-CN" dirty="0" err="1" smtClean="0"/>
+              <a:t>lpush</a:t>
+            </a:r>
+            <a:r>
+              <a:rPr lang="en-US" altLang="zh-CN" dirty="0" smtClean="0"/>
+              <a:t>/</a:t>
+            </a:r>
+            <a:r>
+              <a:rPr lang="en-US" altLang="zh-CN" dirty="0" err="1" smtClean="0"/>
+              <a:t>rpush</a:t>
+            </a:r>
+            <a:r>
+              <a:rPr lang="en-US" altLang="zh-CN" dirty="0" smtClean="0"/>
+              <a:t> key value</a:t>
+            </a:r>
+          </a:p>
+          <a:p>
+            <a:r>
+              <a:rPr lang="zh-CN" altLang="en-US" dirty="0"/>
+              <a:t>从左</a:t>
+            </a:r>
+            <a:r>
+              <a:rPr lang="en-US" altLang="zh-CN" dirty="0"/>
+              <a:t>/</a:t>
+            </a:r>
+            <a:r>
+              <a:rPr lang="zh-CN" altLang="en-US" dirty="0" smtClean="0"/>
+              <a:t>右边</a:t>
+            </a:r>
+            <a:r>
+              <a:rPr lang="zh-CN" altLang="en-US" dirty="0"/>
+              <a:t>弹出</a:t>
+            </a:r>
+            <a:r>
+              <a:rPr lang="zh-CN" altLang="en-US" dirty="0" smtClean="0"/>
+              <a:t>数据</a:t>
+            </a:r>
+            <a:r>
+              <a:rPr lang="en-US" altLang="zh-CN" dirty="0"/>
+              <a:t>: </a:t>
+            </a:r>
+            <a:r>
+              <a:rPr lang="en-US" altLang="zh-CN" dirty="0" err="1" smtClean="0"/>
+              <a:t>lpop</a:t>
+            </a:r>
+            <a:r>
+              <a:rPr lang="en-US" altLang="zh-CN" dirty="0" smtClean="0"/>
+              <a:t>/</a:t>
+            </a:r>
+            <a:r>
+              <a:rPr lang="en-US" altLang="zh-CN" dirty="0" err="1" smtClean="0"/>
+              <a:t>rpop</a:t>
+            </a:r>
+            <a:r>
+              <a:rPr lang="en-US" altLang="zh-CN" dirty="0" smtClean="0"/>
+              <a:t> key</a:t>
+            </a:r>
+          </a:p>
+          <a:p>
+            <a:r>
+              <a:rPr lang="zh-CN" altLang="en-US" dirty="0" smtClean="0"/>
+              <a:t>获取给定范围的数据：</a:t>
+            </a:r>
+            <a:r>
+              <a:rPr lang="en-US" altLang="zh-CN" dirty="0" err="1" smtClean="0"/>
+              <a:t>lrange</a:t>
+            </a:r>
+            <a:r>
+              <a:rPr lang="en-US" altLang="zh-CN" dirty="0" smtClean="0"/>
+              <a:t> key start end</a:t>
+            </a:r>
+            <a:endParaRPr lang="en-US" altLang="zh-CN" dirty="0"/>
+          </a:p>
+          <a:p>
+            <a:r>
+              <a:rPr lang="zh-CN" altLang="en-US" dirty="0" smtClean="0"/>
+              <a:t>获取一个下标的值：</a:t>
+            </a:r>
+            <a:r>
+              <a:rPr lang="en-US" altLang="zh-CN" dirty="0" err="1" smtClean="0"/>
+              <a:t>lindex</a:t>
+            </a:r>
+            <a:r>
+              <a:rPr lang="en-US" altLang="zh-CN" dirty="0" smtClean="0"/>
+              <a:t> key </a:t>
+            </a:r>
+            <a:r>
+              <a:rPr lang="en-US" altLang="zh-CN" dirty="0" err="1" smtClean="0"/>
+              <a:t>ndx</a:t>
+            </a:r>
+            <a:endParaRPr lang="en-US" altLang="zh-CN" dirty="0" smtClean="0"/>
+          </a:p>
+          <a:p>
+            <a:endParaRPr lang="en-US" altLang="zh-CN" dirty="0" smtClean="0"/>
+          </a:p>
+          <a:p>
+            <a:pPr marL="0" indent="0">
+              <a:buNone/>
+            </a:pPr>
+            <a:r>
+              <a:rPr lang="en-US" altLang="zh-CN" dirty="0" err="1"/>
+              <a:t>redis</a:t>
+            </a:r>
+            <a:r>
+              <a:rPr lang="en-US" altLang="zh-CN" dirty="0"/>
+              <a:t> 127.0.0.1:6379&gt; </a:t>
+            </a:r>
+            <a:r>
+              <a:rPr lang="en-US" altLang="zh-CN" dirty="0" err="1"/>
+              <a:t>lpush</a:t>
+            </a:r>
+            <a:r>
+              <a:rPr lang="en-US" altLang="zh-CN" dirty="0"/>
+              <a:t> </a:t>
+            </a:r>
+            <a:r>
+              <a:rPr lang="en-US" altLang="zh-CN" dirty="0" err="1"/>
+              <a:t>runoob</a:t>
+            </a:r>
+            <a:r>
+              <a:rPr lang="en-US" altLang="zh-CN" dirty="0"/>
+              <a:t> </a:t>
+            </a:r>
+            <a:r>
+              <a:rPr lang="en-US" altLang="zh-CN" dirty="0" err="1"/>
+              <a:t>redis</a:t>
+            </a:r>
+            <a:endParaRPr lang="en-US" altLang="zh-CN" dirty="0"/>
+          </a:p>
+          <a:p>
+            <a:pPr marL="0" indent="0">
+              <a:buNone/>
+            </a:pPr>
+            <a:r>
+              <a:rPr lang="en-US" altLang="zh-CN" dirty="0"/>
+              <a:t>(integer) 1</a:t>
+            </a:r>
+          </a:p>
+          <a:p>
+            <a:pPr marL="0" indent="0">
+              <a:buNone/>
+            </a:pPr>
+            <a:r>
+              <a:rPr lang="en-US" altLang="zh-CN" dirty="0" err="1"/>
+              <a:t>redis</a:t>
+            </a:r>
+            <a:r>
+              <a:rPr lang="en-US" altLang="zh-CN" dirty="0"/>
+              <a:t> 127.0.0.1:6379&gt; </a:t>
+            </a:r>
+            <a:r>
+              <a:rPr lang="en-US" altLang="zh-CN" dirty="0" err="1"/>
+              <a:t>lpush</a:t>
+            </a:r>
+            <a:r>
+              <a:rPr lang="en-US" altLang="zh-CN" dirty="0"/>
+              <a:t> </a:t>
+            </a:r>
+            <a:r>
+              <a:rPr lang="en-US" altLang="zh-CN" dirty="0" err="1"/>
+              <a:t>runoob</a:t>
+            </a:r>
+            <a:r>
+              <a:rPr lang="en-US" altLang="zh-CN" dirty="0"/>
+              <a:t> </a:t>
+            </a:r>
+            <a:r>
+              <a:rPr lang="en-US" altLang="zh-CN" dirty="0" err="1"/>
+              <a:t>mongodb</a:t>
+            </a:r>
+            <a:endParaRPr lang="en-US" altLang="zh-CN" dirty="0"/>
+          </a:p>
+          <a:p>
+            <a:pPr marL="0" indent="0">
+              <a:buNone/>
+            </a:pPr>
+            <a:r>
+              <a:rPr lang="en-US" altLang="zh-CN" dirty="0"/>
+              <a:t>(integer) 2</a:t>
+            </a:r>
+          </a:p>
+          <a:p>
+            <a:pPr marL="0" indent="0">
+              <a:buNone/>
+            </a:pPr>
+            <a:r>
+              <a:rPr lang="en-US" altLang="zh-CN" dirty="0" err="1"/>
+              <a:t>redis</a:t>
+            </a:r>
+            <a:r>
+              <a:rPr lang="en-US" altLang="zh-CN" dirty="0"/>
+              <a:t> 127.0.0.1:6379&gt; </a:t>
+            </a:r>
+            <a:r>
+              <a:rPr lang="en-US" altLang="zh-CN" dirty="0" err="1"/>
+              <a:t>lpush</a:t>
+            </a:r>
+            <a:r>
+              <a:rPr lang="en-US" altLang="zh-CN" dirty="0"/>
+              <a:t> </a:t>
+            </a:r>
+            <a:r>
+              <a:rPr lang="en-US" altLang="zh-CN" dirty="0" err="1"/>
+              <a:t>runoob</a:t>
+            </a:r>
+            <a:r>
+              <a:rPr lang="en-US" altLang="zh-CN" dirty="0"/>
+              <a:t> </a:t>
+            </a:r>
+            <a:r>
+              <a:rPr lang="en-US" altLang="zh-CN" dirty="0" err="1"/>
+              <a:t>rabitmq</a:t>
+            </a:r>
+            <a:endParaRPr lang="en-US" altLang="zh-CN" dirty="0"/>
+          </a:p>
+          <a:p>
+            <a:pPr marL="0" indent="0">
+              <a:buNone/>
+            </a:pPr>
+            <a:r>
+              <a:rPr lang="en-US" altLang="zh-CN" dirty="0"/>
+              <a:t>(integer) 3</a:t>
+            </a:r>
+          </a:p>
+          <a:p>
+            <a:pPr marL="0" indent="0">
+              <a:buNone/>
+            </a:pPr>
+            <a:r>
+              <a:rPr lang="en-US" altLang="zh-CN" dirty="0" err="1"/>
+              <a:t>redis</a:t>
+            </a:r>
+            <a:r>
+              <a:rPr lang="en-US" altLang="zh-CN" dirty="0"/>
+              <a:t> 127.0.0.1:6379&gt; </a:t>
+            </a:r>
+            <a:r>
+              <a:rPr lang="en-US" altLang="zh-CN" dirty="0" err="1"/>
+              <a:t>lrange</a:t>
+            </a:r>
+            <a:r>
+              <a:rPr lang="en-US" altLang="zh-CN" dirty="0"/>
+              <a:t> </a:t>
+            </a:r>
+            <a:r>
+              <a:rPr lang="en-US" altLang="zh-CN" dirty="0" err="1"/>
+              <a:t>runoob</a:t>
+            </a:r>
+            <a:r>
+              <a:rPr lang="en-US" altLang="zh-CN" dirty="0"/>
+              <a:t> 0 10</a:t>
+            </a:r>
+            <a:endParaRPr lang="en-US" altLang="zh-CN" dirty="0" smtClean="0"/>
+          </a:p>
+          <a:p>
+            <a:pPr marL="0" indent="0">
+              <a:buNone/>
+            </a:pPr>
+            <a:endParaRPr lang="zh-CN" altLang="en-US" dirty="0"/>
+          </a:p>
+        </p:txBody>
+      </p:sp>
+    </p:spTree>
+    <p:extLst>
+      <p:ext uri="{BB962C8B-B14F-4D97-AF65-F5344CB8AC3E}">
+        <p14:creationId xmlns:p14="http://schemas.microsoft.com/office/powerpoint/2010/main" val="963164112"/>
+      </p:ext>
+    </p:extLst>
+  </p:cSld>
+  <p:clrMapOvr>
+    <a:masterClrMapping/>
+  </p:clrMapOvr>
+</p:sld>
+</file>
+
+<file path=ppt/slides/slide8.xml><?xml version="1.0" encoding="utf-8"?>
+<p:sld xmlns:a="http://schemas.openxmlformats.org/drawingml/2006/main" xmlns:r="http://schemas.openxmlformats.org/officeDocument/2006/relationships" xmlns:p="http://schemas.openxmlformats.org/presentationml/2006/main">
+  <p:cSld>
+    <p:spTree>
+      <p:nvGrpSpPr>
+        <p:cNvPr id="1" name=""/>
+        <p:cNvGrpSpPr/>
+        <p:nvPr/>
+      </p:nvGrpSpPr>
+      <p:grpSpPr>
+        <a:xfrm>
+          <a:off x="0" y="0"/>
+          <a:ext cx="0" cy="0"/>
+          <a:chOff x="0" y="0"/>
+          <a:chExt cx="0" cy="0"/>
+        </a:xfrm>
+      </p:grpSpPr>
+      <p:sp>
+        <p:nvSpPr>
+          <p:cNvPr id="2" name="标题 1"/>
+          <p:cNvSpPr>
+            <a:spLocks noGrp="1"/>
+          </p:cNvSpPr>
+          <p:nvPr>
+            <p:ph type="title"/>
+          </p:nvPr>
+        </p:nvSpPr>
+        <p:spPr/>
+        <p:txBody>
+          <a:bodyPr>
+            <a:normAutofit fontScale="90000"/>
+          </a:bodyPr>
+          <a:lstStyle/>
+          <a:p>
+            <a:r>
+              <a:rPr lang="en-US" altLang="zh-CN" dirty="0" smtClean="0"/>
+              <a:t>Set</a:t>
+            </a:r>
+            <a:r>
+              <a:rPr lang="zh-CN" altLang="en-US" dirty="0" smtClean="0"/>
+              <a:t>类型</a:t>
+            </a:r>
+            <a:endParaRPr lang="zh-CN" altLang="en-US" dirty="0"/>
+          </a:p>
+        </p:txBody>
+      </p:sp>
+      <p:sp>
+        <p:nvSpPr>
+          <p:cNvPr id="3" name="内容占位符 2"/>
+          <p:cNvSpPr>
+            <a:spLocks noGrp="1"/>
+          </p:cNvSpPr>
+          <p:nvPr>
+            <p:ph idx="1"/>
+          </p:nvPr>
+        </p:nvSpPr>
+        <p:spPr/>
+        <p:txBody>
+          <a:bodyPr>
+            <a:normAutofit fontScale="92500"/>
+          </a:bodyPr>
+          <a:lstStyle/>
+          <a:p>
+            <a:r>
+              <a:rPr lang="zh-CN" altLang="en-US" dirty="0" smtClean="0"/>
+              <a:t>增加</a:t>
+            </a:r>
+            <a:r>
+              <a:rPr lang="en-US" altLang="zh-CN" dirty="0"/>
+              <a:t>item</a:t>
+            </a:r>
+            <a:r>
+              <a:rPr lang="zh-CN" altLang="en-US" dirty="0"/>
+              <a:t>到</a:t>
+            </a:r>
+            <a:r>
+              <a:rPr lang="en-US" altLang="zh-CN" dirty="0" smtClean="0"/>
+              <a:t>set: </a:t>
+            </a:r>
+            <a:r>
+              <a:rPr lang="en-US" altLang="zh-CN" dirty="0" err="1" smtClean="0"/>
+              <a:t>sadd</a:t>
+            </a:r>
+            <a:r>
+              <a:rPr lang="en-US" altLang="zh-CN" dirty="0" smtClean="0"/>
+              <a:t> key item</a:t>
+            </a:r>
+            <a:endParaRPr lang="en-US" altLang="zh-CN" dirty="0"/>
+          </a:p>
+          <a:p>
+            <a:r>
+              <a:rPr lang="zh-CN" altLang="en-US" dirty="0" smtClean="0"/>
+              <a:t>返回</a:t>
+            </a:r>
+            <a:r>
+              <a:rPr lang="zh-CN" altLang="en-US" dirty="0"/>
+              <a:t>整个</a:t>
+            </a:r>
+            <a:r>
+              <a:rPr lang="en-US" altLang="zh-CN" dirty="0"/>
+              <a:t>set</a:t>
+            </a:r>
+            <a:r>
+              <a:rPr lang="zh-CN" altLang="en-US" dirty="0"/>
+              <a:t>的</a:t>
+            </a:r>
+            <a:r>
+              <a:rPr lang="en-US" altLang="zh-CN" dirty="0" smtClean="0"/>
+              <a:t>items: </a:t>
+            </a:r>
+            <a:r>
+              <a:rPr lang="en-US" altLang="zh-CN" dirty="0" err="1" smtClean="0"/>
+              <a:t>smembers</a:t>
+            </a:r>
+            <a:r>
+              <a:rPr lang="en-US" altLang="zh-CN" dirty="0" smtClean="0"/>
+              <a:t> key</a:t>
+            </a:r>
+            <a:endParaRPr lang="en-US" altLang="zh-CN" dirty="0"/>
+          </a:p>
+          <a:p>
+            <a:r>
+              <a:rPr lang="zh-CN" altLang="en-US" dirty="0" smtClean="0"/>
+              <a:t>检查</a:t>
+            </a:r>
+            <a:r>
+              <a:rPr lang="zh-CN" altLang="en-US" dirty="0"/>
+              <a:t>一个</a:t>
+            </a:r>
+            <a:r>
+              <a:rPr lang="en-US" altLang="zh-CN" dirty="0"/>
+              <a:t>item</a:t>
+            </a:r>
+            <a:r>
+              <a:rPr lang="zh-CN" altLang="en-US" dirty="0"/>
+              <a:t>是否在</a:t>
+            </a:r>
+            <a:r>
+              <a:rPr lang="en-US" altLang="zh-CN" dirty="0"/>
+              <a:t>set</a:t>
+            </a:r>
+            <a:r>
+              <a:rPr lang="zh-CN" altLang="en-US" dirty="0" smtClean="0"/>
+              <a:t>中</a:t>
+            </a:r>
+            <a:r>
+              <a:rPr lang="en-US" altLang="zh-CN" dirty="0" smtClean="0"/>
+              <a:t>: </a:t>
+            </a:r>
+            <a:r>
+              <a:rPr lang="en-US" altLang="zh-CN" dirty="0" err="1" smtClean="0"/>
+              <a:t>sismemeber</a:t>
+            </a:r>
+            <a:r>
+              <a:rPr lang="en-US" altLang="zh-CN" dirty="0" smtClean="0"/>
+              <a:t> key item</a:t>
+            </a:r>
+            <a:endParaRPr lang="zh-CN" altLang="en-US" dirty="0"/>
+          </a:p>
+          <a:p>
+            <a:r>
+              <a:rPr lang="zh-CN" altLang="en-US" dirty="0" smtClean="0"/>
+              <a:t>从</a:t>
+            </a:r>
+            <a:r>
+              <a:rPr lang="en-US" altLang="zh-CN" dirty="0"/>
+              <a:t>set</a:t>
+            </a:r>
+            <a:r>
+              <a:rPr lang="zh-CN" altLang="en-US" dirty="0"/>
+              <a:t>中</a:t>
+            </a:r>
+            <a:r>
+              <a:rPr lang="zh-CN" altLang="en-US" dirty="0" smtClean="0"/>
+              <a:t>删</a:t>
+            </a:r>
+            <a:r>
+              <a:rPr lang="en-US" altLang="zh-CN" dirty="0" smtClean="0"/>
+              <a:t>item: </a:t>
+            </a:r>
+            <a:r>
+              <a:rPr lang="en-US" altLang="zh-CN" dirty="0" err="1" smtClean="0"/>
+              <a:t>srem</a:t>
+            </a:r>
+            <a:r>
+              <a:rPr lang="en-US" altLang="zh-CN" dirty="0" smtClean="0"/>
+              <a:t> key item</a:t>
+            </a:r>
+          </a:p>
+          <a:p>
+            <a:pPr marL="0" indent="0">
+              <a:buNone/>
+            </a:pPr>
+            <a:r>
+              <a:rPr lang="en-US" altLang="zh-CN" dirty="0" err="1"/>
+              <a:t>redis</a:t>
+            </a:r>
+            <a:r>
+              <a:rPr lang="en-US" altLang="zh-CN" dirty="0"/>
+              <a:t> 127.0.0.1:6379&gt; </a:t>
+            </a:r>
+            <a:r>
+              <a:rPr lang="en-US" altLang="zh-CN" dirty="0" err="1"/>
+              <a:t>sadd</a:t>
+            </a:r>
+            <a:r>
+              <a:rPr lang="en-US" altLang="zh-CN" dirty="0"/>
+              <a:t> </a:t>
+            </a:r>
+            <a:r>
+              <a:rPr lang="en-US" altLang="zh-CN" dirty="0" err="1"/>
+              <a:t>runoob</a:t>
+            </a:r>
+            <a:r>
+              <a:rPr lang="en-US" altLang="zh-CN" dirty="0"/>
+              <a:t> </a:t>
+            </a:r>
+            <a:r>
+              <a:rPr lang="en-US" altLang="zh-CN" dirty="0" err="1"/>
+              <a:t>rabitmq</a:t>
+            </a:r>
+            <a:endParaRPr lang="en-US" altLang="zh-CN" dirty="0"/>
+          </a:p>
+          <a:p>
+            <a:pPr marL="0" indent="0">
+              <a:buNone/>
+            </a:pPr>
+            <a:r>
+              <a:rPr lang="en-US" altLang="zh-CN" dirty="0"/>
+              <a:t>(integer) 0</a:t>
+            </a:r>
+          </a:p>
+          <a:p>
+            <a:pPr marL="0" indent="0">
+              <a:buNone/>
+            </a:pPr>
+            <a:r>
+              <a:rPr lang="en-US" altLang="zh-CN" dirty="0" err="1"/>
+              <a:t>redis</a:t>
+            </a:r>
+            <a:r>
+              <a:rPr lang="en-US" altLang="zh-CN" dirty="0"/>
+              <a:t> 127.0.0.1:6379&gt; </a:t>
+            </a:r>
+            <a:r>
+              <a:rPr lang="en-US" altLang="zh-CN" dirty="0" err="1"/>
+              <a:t>smembers</a:t>
+            </a:r>
+            <a:r>
+              <a:rPr lang="en-US" altLang="zh-CN" dirty="0"/>
+              <a:t> </a:t>
+            </a:r>
+            <a:r>
+              <a:rPr lang="en-US" altLang="zh-CN" dirty="0" err="1"/>
+              <a:t>runoob</a:t>
+            </a:r>
+            <a:endParaRPr lang="zh-CN" altLang="en-US" dirty="0"/>
+          </a:p>
+        </p:txBody>
+      </p:sp>
+    </p:spTree>
+    <p:extLst>
+      <p:ext uri="{BB962C8B-B14F-4D97-AF65-F5344CB8AC3E}">
+        <p14:creationId xmlns:p14="http://schemas.microsoft.com/office/powerpoint/2010/main" val="1498887909"/>
+      </p:ext>
+    </p:extLst>
+  </p:cSld>
+  <p:clrMapOvr>
+    <a:masterClrMapping/>
+  </p:clrMapOvr>
+</p:sld>
+</file>
+
+<file path=ppt/slides/slide9.xml><?xml version="1.0" encoding="utf-8"?>
+<p:sld xmlns:a="http://schemas.openxmlformats.org/drawingml/2006/main" xmlns:r="http://schemas.openxmlformats.org/officeDocument/2006/relationships" xmlns:p="http://schemas.openxmlformats.org/presentationml/2006/main">
+  <p:cSld>
+    <p:spTree>
+      <p:nvGrpSpPr>
+        <p:cNvPr id="1" name=""/>
+        <p:cNvGrpSpPr/>
+        <p:nvPr/>
+      </p:nvGrpSpPr>
+      <p:grpSpPr>
+        <a:xfrm>
+          <a:off x="0" y="0"/>
+          <a:ext cx="0" cy="0"/>
+          <a:chOff x="0" y="0"/>
+          <a:chExt cx="0" cy="0"/>
+        </a:xfrm>
+      </p:grpSpPr>
+      <p:sp>
+        <p:nvSpPr>
+          <p:cNvPr id="2" name="标题 1"/>
+          <p:cNvSpPr>
+            <a:spLocks noGrp="1"/>
+          </p:cNvSpPr>
+          <p:nvPr>
+            <p:ph type="title"/>
+          </p:nvPr>
+        </p:nvSpPr>
+        <p:spPr/>
+        <p:txBody>
+          <a:bodyPr>
+            <a:normAutofit fontScale="90000"/>
+          </a:bodyPr>
+          <a:lstStyle/>
+          <a:p>
+            <a:r>
+              <a:rPr lang="en-US" altLang="zh-CN" dirty="0"/>
+              <a:t>Hash</a:t>
+            </a:r>
+            <a:r>
+              <a:rPr lang="zh-CN" altLang="en-US" dirty="0"/>
+              <a:t>（哈希）</a:t>
+            </a:r>
+          </a:p>
+        </p:txBody>
+      </p:sp>
+      <p:sp>
+        <p:nvSpPr>
+          <p:cNvPr id="3" name="内容占位符 2"/>
+          <p:cNvSpPr>
+            <a:spLocks noGrp="1"/>
+          </p:cNvSpPr>
+          <p:nvPr>
+            <p:ph idx="1"/>
+          </p:nvPr>
+        </p:nvSpPr>
+        <p:spPr/>
+        <p:txBody>
+          <a:bodyPr>
+            <a:normAutofit fontScale="70000" lnSpcReduction="20000"/>
+          </a:bodyPr>
+          <a:lstStyle/>
+          <a:p>
+            <a:r>
+              <a:rPr lang="zh-CN" altLang="en-US" dirty="0" smtClean="0"/>
+              <a:t>存储</a:t>
+            </a:r>
+            <a:r>
+              <a:rPr lang="zh-CN" altLang="en-US" dirty="0"/>
+              <a:t>键值到</a:t>
+            </a:r>
+            <a:r>
+              <a:rPr lang="en-US" altLang="zh-CN" dirty="0" smtClean="0"/>
+              <a:t>hash</a:t>
+            </a:r>
+            <a:r>
+              <a:rPr lang="zh-CN" altLang="en-US" dirty="0" smtClean="0"/>
+              <a:t>： </a:t>
+            </a:r>
+            <a:r>
+              <a:rPr lang="en-US" altLang="zh-CN" dirty="0" err="1" smtClean="0"/>
+              <a:t>hset</a:t>
+            </a:r>
+            <a:r>
+              <a:rPr lang="en-US" altLang="zh-CN" dirty="0" smtClean="0"/>
+              <a:t> </a:t>
+            </a:r>
+            <a:r>
+              <a:rPr lang="en-US" altLang="zh-CN" dirty="0" err="1" smtClean="0"/>
+              <a:t>hashtable</a:t>
+            </a:r>
+            <a:r>
+              <a:rPr lang="en-US" altLang="zh-CN" dirty="0" smtClean="0"/>
+              <a:t> key value</a:t>
+            </a:r>
+            <a:endParaRPr lang="en-US" altLang="zh-CN" dirty="0"/>
+          </a:p>
+          <a:p>
+            <a:r>
+              <a:rPr lang="zh-CN" altLang="en-US" dirty="0" smtClean="0"/>
+              <a:t>获取</a:t>
+            </a:r>
+            <a:r>
+              <a:rPr lang="zh-CN" altLang="en-US" dirty="0"/>
+              <a:t>指</a:t>
+            </a:r>
+            <a:r>
+              <a:rPr lang="en-US" altLang="zh-CN" dirty="0"/>
+              <a:t>hash key</a:t>
+            </a:r>
+            <a:r>
+              <a:rPr lang="zh-CN" altLang="en-US" dirty="0"/>
+              <a:t>的</a:t>
+            </a:r>
+            <a:r>
+              <a:rPr lang="zh-CN" altLang="en-US" dirty="0" smtClean="0"/>
+              <a:t>值</a:t>
+            </a:r>
+            <a:r>
+              <a:rPr lang="en-US" altLang="zh-CN" dirty="0" smtClean="0"/>
+              <a:t>: </a:t>
+            </a:r>
+            <a:r>
+              <a:rPr lang="en-US" altLang="zh-CN" dirty="0" err="1" smtClean="0"/>
+              <a:t>hget</a:t>
+            </a:r>
+            <a:r>
+              <a:rPr lang="en-US" altLang="zh-CN" dirty="0" smtClean="0"/>
+              <a:t> </a:t>
+            </a:r>
+            <a:r>
+              <a:rPr lang="en-US" altLang="zh-CN" dirty="0" err="1" smtClean="0"/>
+              <a:t>hashtable</a:t>
+            </a:r>
+            <a:r>
+              <a:rPr lang="en-US" altLang="zh-CN" dirty="0" smtClean="0"/>
+              <a:t> key</a:t>
+            </a:r>
+            <a:endParaRPr lang="zh-CN" altLang="en-US" dirty="0"/>
+          </a:p>
+          <a:p>
+            <a:r>
+              <a:rPr lang="zh-CN" altLang="en-US" dirty="0" smtClean="0"/>
+              <a:t>获取</a:t>
+            </a:r>
+            <a:r>
+              <a:rPr lang="zh-CN" altLang="en-US" dirty="0"/>
+              <a:t>整个</a:t>
+            </a:r>
+            <a:r>
+              <a:rPr lang="en-US" altLang="zh-CN" dirty="0" smtClean="0"/>
+              <a:t>hash:  </a:t>
+            </a:r>
+            <a:r>
+              <a:rPr lang="en-US" altLang="zh-CN" dirty="0" err="1" smtClean="0"/>
+              <a:t>hgetall</a:t>
+            </a:r>
+            <a:r>
+              <a:rPr lang="en-US" altLang="zh-CN" dirty="0" smtClean="0"/>
+              <a:t> </a:t>
+            </a:r>
+            <a:r>
+              <a:rPr lang="en-US" altLang="zh-CN" dirty="0" err="1" smtClean="0"/>
+              <a:t>hashtable</a:t>
+            </a:r>
+            <a:endParaRPr lang="en-US" altLang="zh-CN" dirty="0"/>
+          </a:p>
+          <a:p>
+            <a:r>
+              <a:rPr lang="zh-CN" altLang="en-US" dirty="0" smtClean="0"/>
+              <a:t>删除</a:t>
+            </a:r>
+            <a:r>
+              <a:rPr lang="zh-CN" altLang="en-US" dirty="0"/>
+              <a:t>一个</a:t>
+            </a:r>
+            <a:r>
+              <a:rPr lang="en-US" altLang="zh-CN" dirty="0" smtClean="0"/>
+              <a:t>key: </a:t>
+            </a:r>
+            <a:r>
+              <a:rPr lang="en-US" altLang="zh-CN" dirty="0" err="1" smtClean="0"/>
+              <a:t>hdel</a:t>
+            </a:r>
+            <a:endParaRPr lang="en-US" altLang="zh-CN" dirty="0" smtClean="0"/>
+          </a:p>
+          <a:p>
+            <a:r>
+              <a:rPr lang="en-US" altLang="zh-CN" dirty="0" err="1" smtClean="0"/>
+              <a:t>hmset</a:t>
+            </a:r>
+            <a:r>
+              <a:rPr lang="en-US" altLang="zh-CN" dirty="0" smtClean="0"/>
+              <a:t>: </a:t>
+            </a:r>
+            <a:r>
+              <a:rPr lang="zh-CN" altLang="en-US" dirty="0" smtClean="0"/>
+              <a:t>设置多个值</a:t>
+            </a:r>
+            <a:endParaRPr lang="en-US" altLang="zh-CN" dirty="0" smtClean="0"/>
+          </a:p>
+          <a:p>
+            <a:endParaRPr lang="en-US" altLang="zh-CN" dirty="0" smtClean="0"/>
+          </a:p>
+          <a:p>
+            <a:pPr marL="0" indent="0">
+              <a:buNone/>
+            </a:pPr>
+            <a:r>
+              <a:rPr lang="en-US" altLang="zh-CN" dirty="0" err="1"/>
+              <a:t>redis</a:t>
+            </a:r>
+            <a:r>
+              <a:rPr lang="en-US" altLang="zh-CN" dirty="0"/>
+              <a:t>&gt; HMSET </a:t>
+            </a:r>
+            <a:r>
+              <a:rPr lang="en-US" altLang="zh-CN" dirty="0" err="1"/>
+              <a:t>myhash</a:t>
+            </a:r>
+            <a:r>
+              <a:rPr lang="en-US" altLang="zh-CN" dirty="0"/>
+              <a:t> field1 "Hello" field2 "World"</a:t>
+            </a:r>
+          </a:p>
+          <a:p>
+            <a:pPr marL="0" indent="0">
+              <a:buNone/>
+            </a:pPr>
+            <a:r>
+              <a:rPr lang="en-US" altLang="zh-CN" dirty="0"/>
+              <a:t>"OK"</a:t>
+            </a:r>
+          </a:p>
+          <a:p>
+            <a:pPr marL="0" indent="0">
+              <a:buNone/>
+            </a:pPr>
+            <a:r>
+              <a:rPr lang="en-US" altLang="zh-CN" dirty="0" err="1"/>
+              <a:t>redis</a:t>
+            </a:r>
+            <a:r>
+              <a:rPr lang="en-US" altLang="zh-CN" dirty="0"/>
+              <a:t>&gt; HGET </a:t>
+            </a:r>
+            <a:r>
+              <a:rPr lang="en-US" altLang="zh-CN" dirty="0" err="1"/>
+              <a:t>myhash</a:t>
+            </a:r>
+            <a:r>
+              <a:rPr lang="en-US" altLang="zh-CN" dirty="0"/>
+              <a:t> field1</a:t>
+            </a:r>
+          </a:p>
+          <a:p>
+            <a:pPr marL="0" indent="0">
+              <a:buNone/>
+            </a:pPr>
+            <a:r>
+              <a:rPr lang="en-US" altLang="zh-CN" dirty="0"/>
+              <a:t>"Hello"</a:t>
+            </a:r>
+          </a:p>
+          <a:p>
+            <a:pPr marL="0" indent="0">
+              <a:buNone/>
+            </a:pPr>
+            <a:r>
+              <a:rPr lang="en-US" altLang="zh-CN" dirty="0" err="1"/>
+              <a:t>redis</a:t>
+            </a:r>
+            <a:r>
+              <a:rPr lang="en-US" altLang="zh-CN" dirty="0"/>
+              <a:t>&gt; HGET </a:t>
+            </a:r>
+            <a:r>
+              <a:rPr lang="en-US" altLang="zh-CN" dirty="0" err="1"/>
+              <a:t>myhash</a:t>
+            </a:r>
+            <a:r>
+              <a:rPr lang="en-US" altLang="zh-CN" dirty="0"/>
+              <a:t> field2</a:t>
+            </a:r>
+          </a:p>
+          <a:p>
+            <a:pPr marL="0" indent="0">
+              <a:buNone/>
+            </a:pPr>
+            <a:r>
+              <a:rPr lang="en-US" altLang="zh-CN" dirty="0"/>
+              <a:t>"World"</a:t>
+            </a:r>
+            <a:endParaRPr lang="zh-CN" altLang="en-US" dirty="0"/>
+          </a:p>
+        </p:txBody>
+      </p:sp>
+    </p:spTree>
+    <p:extLst>
+      <p:ext uri="{BB962C8B-B14F-4D97-AF65-F5344CB8AC3E}">
+        <p14:creationId xmlns:p14="http://schemas.microsoft.com/office/powerpoint/2010/main" val="1840506138"/>
+      </p:ext>
+    </p:extLst>
+  </p:cSld>
+  <p:clrMapOvr>
+    <a:masterClrMapping/>
+  </p:clrMapOvr>
 </p:sld>
 </file>
 

--- a/redis/docs/redis.pptx
+++ b/redis/docs/redis.pptx
@@ -217,7 +217,7 @@
           <a:p>
             <a:fld id="{D6CB015B-B7FF-4093-8E19-9AD7339689D2}" type="datetimeFigureOut">
               <a:rPr lang="zh-CN" altLang="en-US" smtClean="0"/>
-              <a:t>2017/12/25</a:t>
+              <a:t>2017/12/26</a:t>
             </a:fld>
             <a:endParaRPr lang="zh-CN" altLang="en-US"/>
           </a:p>
@@ -2307,7 +2307,7 @@
             <a:fld id="{B35E7478-ADE7-4480-A214-01473DFE0029}" type="datetimeFigureOut">
               <a:rPr lang="zh-CN" altLang="en-US" smtClean="0"/>
               <a:pPr/>
-              <a:t>2017/12/25</a:t>
+              <a:t>2017/12/26</a:t>
             </a:fld>
             <a:endParaRPr lang="zh-CN" altLang="en-US"/>
           </a:p>
@@ -6172,7 +6172,7 @@
             <a:fld id="{B35E7478-ADE7-4480-A214-01473DFE0029}" type="datetimeFigureOut">
               <a:rPr lang="zh-CN" altLang="en-US" smtClean="0"/>
               <a:pPr/>
-              <a:t>2017/12/25</a:t>
+              <a:t>2017/12/26</a:t>
             </a:fld>
             <a:endParaRPr lang="zh-CN" altLang="en-US"/>
           </a:p>
@@ -7840,7 +7840,7 @@
             <a:fld id="{B35E7478-ADE7-4480-A214-01473DFE0029}" type="datetimeFigureOut">
               <a:rPr lang="zh-CN" altLang="en-US" smtClean="0"/>
               <a:pPr/>
-              <a:t>2017/12/25</a:t>
+              <a:t>2017/12/26</a:t>
             </a:fld>
             <a:endParaRPr lang="zh-CN" altLang="en-US"/>
           </a:p>
@@ -12144,7 +12144,7 @@
                 </a:solidFill>
               </a:rPr>
               <a:pPr/>
-              <a:t>2017/12/25</a:t>
+              <a:t>2017/12/26</a:t>
             </a:fld>
             <a:endParaRPr lang="zh-CN" altLang="en-US">
               <a:solidFill>
@@ -16062,7 +16062,7 @@
                 </a:solidFill>
               </a:rPr>
               <a:pPr/>
-              <a:t>2017/12/25</a:t>
+              <a:t>2017/12/26</a:t>
             </a:fld>
             <a:endParaRPr lang="zh-CN" altLang="en-US">
               <a:solidFill>
@@ -21913,7 +21913,7 @@
                 </a:solidFill>
               </a:rPr>
               <a:pPr/>
-              <a:t>2017/12/25</a:t>
+              <a:t>2017/12/26</a:t>
             </a:fld>
             <a:endParaRPr lang="zh-CN" altLang="en-US">
               <a:solidFill>
@@ -22503,7 +22503,7 @@
                 </a:solidFill>
               </a:rPr>
               <a:pPr/>
-              <a:t>2017/12/25</a:t>
+              <a:t>2017/12/26</a:t>
             </a:fld>
             <a:endParaRPr lang="zh-CN" altLang="en-US">
               <a:solidFill>
@@ -26207,7 +26207,7 @@
                 </a:solidFill>
               </a:rPr>
               <a:pPr/>
-              <a:t>2017/12/25</a:t>
+              <a:t>2017/12/26</a:t>
             </a:fld>
             <a:endParaRPr lang="zh-CN" altLang="en-US">
               <a:solidFill>
@@ -26341,7 +26341,7 @@
                 </a:solidFill>
               </a:rPr>
               <a:pPr/>
-              <a:t>2017/12/25</a:t>
+              <a:t>2017/12/26</a:t>
             </a:fld>
             <a:endParaRPr lang="zh-CN" altLang="en-US">
               <a:solidFill>
@@ -27170,7 +27170,7 @@
             <a:fld id="{B35E7478-ADE7-4480-A214-01473DFE0029}" type="datetimeFigureOut">
               <a:rPr lang="zh-CN" altLang="en-US" smtClean="0"/>
               <a:pPr/>
-              <a:t>2017/12/25</a:t>
+              <a:t>2017/12/26</a:t>
             </a:fld>
             <a:endParaRPr lang="zh-CN" altLang="en-US"/>
           </a:p>
@@ -32498,7 +32498,7 @@
             <a:fld id="{B35E7478-ADE7-4480-A214-01473DFE0029}" type="datetimeFigureOut">
               <a:rPr lang="zh-CN" altLang="en-US" smtClean="0"/>
               <a:pPr/>
-              <a:t>2017/12/25</a:t>
+              <a:t>2017/12/26</a:t>
             </a:fld>
             <a:endParaRPr lang="zh-CN" altLang="en-US"/>
           </a:p>
@@ -37852,7 +37852,7 @@
             <a:fld id="{B35E7478-ADE7-4480-A214-01473DFE0029}" type="datetimeFigureOut">
               <a:rPr lang="zh-CN" altLang="en-US" smtClean="0"/>
               <a:pPr/>
-              <a:t>2017/12/25</a:t>
+              <a:t>2017/12/26</a:t>
             </a:fld>
             <a:endParaRPr lang="zh-CN" altLang="en-US"/>
           </a:p>
@@ -37949,7 +37949,7 @@
             <a:fld id="{B35E7478-ADE7-4480-A214-01473DFE0029}" type="datetimeFigureOut">
               <a:rPr lang="zh-CN" altLang="en-US" smtClean="0"/>
               <a:pPr/>
-              <a:t>2017/12/25</a:t>
+              <a:t>2017/12/26</a:t>
             </a:fld>
             <a:endParaRPr lang="zh-CN" altLang="en-US"/>
           </a:p>
@@ -38235,7 +38235,7 @@
             <a:fld id="{B35E7478-ADE7-4480-A214-01473DFE0029}" type="datetimeFigureOut">
               <a:rPr lang="zh-CN" altLang="en-US" smtClean="0"/>
               <a:pPr/>
-              <a:t>2017/12/25</a:t>
+              <a:t>2017/12/26</a:t>
             </a:fld>
             <a:endParaRPr lang="zh-CN" altLang="en-US"/>
           </a:p>
@@ -38490,7 +38490,7 @@
             <a:fld id="{B35E7478-ADE7-4480-A214-01473DFE0029}" type="datetimeFigureOut">
               <a:rPr lang="zh-CN" altLang="en-US" smtClean="0"/>
               <a:pPr/>
-              <a:t>2017/12/25</a:t>
+              <a:t>2017/12/26</a:t>
             </a:fld>
             <a:endParaRPr lang="zh-CN" altLang="en-US"/>
           </a:p>
@@ -38662,7 +38662,7 @@
             <a:fld id="{B35E7478-ADE7-4480-A214-01473DFE0029}" type="datetimeFigureOut">
               <a:rPr lang="zh-CN" altLang="en-US" smtClean="0"/>
               <a:pPr/>
-              <a:t>2017/12/25</a:t>
+              <a:t>2017/12/26</a:t>
             </a:fld>
             <a:endParaRPr lang="zh-CN" altLang="en-US"/>
           </a:p>
@@ -38889,7 +38889,7 @@
             <a:fld id="{B35E7478-ADE7-4480-A214-01473DFE0029}" type="datetimeFigureOut">
               <a:rPr lang="zh-CN" altLang="en-US" smtClean="0"/>
               <a:pPr/>
-              <a:t>2017/12/25</a:t>
+              <a:t>2017/12/26</a:t>
             </a:fld>
             <a:endParaRPr lang="zh-CN" altLang="en-US"/>
           </a:p>
@@ -39425,7 +39425,7 @@
                 </a:solidFill>
               </a:rPr>
               <a:pPr/>
-              <a:t>2017/12/25</a:t>
+              <a:t>2017/12/26</a:t>
             </a:fld>
             <a:endParaRPr lang="zh-CN" altLang="en-US">
               <a:solidFill>
@@ -40029,6 +40029,13 @@
   <p:clrMapOvr>
     <a:masterClrMapping/>
   </p:clrMapOvr>
+  <p:timing>
+    <p:tnLst>
+      <p:par>
+        <p:cTn id="1" dur="indefinite" restart="never" nodeType="tmRoot"/>
+      </p:par>
+    </p:tnLst>
+  </p:timing>
 </p:sld>
 </file>
 
@@ -40260,6 +40267,13 @@
   <p:clrMapOvr>
     <a:masterClrMapping/>
   </p:clrMapOvr>
+  <p:timing>
+    <p:tnLst>
+      <p:par>
+        <p:cTn id="1" dur="indefinite" restart="never" nodeType="tmRoot"/>
+      </p:par>
+    </p:tnLst>
+  </p:timing>
 </p:sld>
 </file>
 
@@ -40404,6 +40418,13 @@
   <p:clrMapOvr>
     <a:masterClrMapping/>
   </p:clrMapOvr>
+  <p:timing>
+    <p:tnLst>
+      <p:par>
+        <p:cTn id="1" dur="indefinite" restart="never" nodeType="tmRoot"/>
+      </p:par>
+    </p:tnLst>
+  </p:timing>
 </p:sld>
 </file>
 
@@ -40597,6 +40618,13 @@
   <p:clrMapOvr>
     <a:masterClrMapping/>
   </p:clrMapOvr>
+  <p:timing>
+    <p:tnLst>
+      <p:par>
+        <p:cTn id="1" dur="indefinite" restart="never" nodeType="tmRoot"/>
+      </p:par>
+    </p:tnLst>
+  </p:timing>
 </p:sld>
 </file>
 
@@ -40829,6 +40857,13 @@
   <p:clrMapOvr>
     <a:masterClrMapping/>
   </p:clrMapOvr>
+  <p:timing>
+    <p:tnLst>
+      <p:par>
+        <p:cTn id="1" dur="indefinite" restart="never" nodeType="tmRoot"/>
+      </p:par>
+    </p:tnLst>
+  </p:timing>
 </p:sld>
 </file>
 
@@ -40867,8 +40902,8 @@
           <a:lstStyle/>
           <a:p>
             <a:r>
-              <a:rPr lang="zh-CN" altLang="en-US" dirty="0" smtClean="0"/>
-              <a:t>脚本脚本</a:t>
+              <a:rPr lang="zh-CN" altLang="en-US" smtClean="0"/>
+              <a:t>脚本</a:t>
             </a:r>
             <a:endParaRPr lang="zh-CN" altLang="en-US" dirty="0"/>
           </a:p>
@@ -40934,6 +40969,13 @@
   <p:clrMapOvr>
     <a:masterClrMapping/>
   </p:clrMapOvr>
+  <p:timing>
+    <p:tnLst>
+      <p:par>
+        <p:cTn id="1" dur="indefinite" restart="never" nodeType="tmRoot"/>
+      </p:par>
+    </p:tnLst>
+  </p:timing>
 </p:sld>
 </file>
 
@@ -41081,6 +41123,13 @@
   <p:clrMapOvr>
     <a:masterClrMapping/>
   </p:clrMapOvr>
+  <p:timing>
+    <p:tnLst>
+      <p:par>
+        <p:cTn id="1" dur="indefinite" restart="never" nodeType="tmRoot"/>
+      </p:par>
+    </p:tnLst>
+  </p:timing>
 </p:sld>
 </file>
 
@@ -41253,6 +41302,13 @@
   <p:clrMapOvr>
     <a:masterClrMapping/>
   </p:clrMapOvr>
+  <p:timing>
+    <p:tnLst>
+      <p:par>
+        <p:cTn id="1" dur="indefinite" restart="never" nodeType="tmRoot"/>
+      </p:par>
+    </p:tnLst>
+  </p:timing>
 </p:sld>
 </file>
 
@@ -41368,6 +41424,13 @@
   <p:clrMapOvr>
     <a:masterClrMapping/>
   </p:clrMapOvr>
+  <p:timing>
+    <p:tnLst>
+      <p:par>
+        <p:cTn id="1" dur="indefinite" restart="never" nodeType="tmRoot"/>
+      </p:par>
+    </p:tnLst>
+  </p:timing>
 </p:sld>
 </file>
 
@@ -41656,6 +41719,13 @@
   <p:clrMapOvr>
     <a:masterClrMapping/>
   </p:clrMapOvr>
+  <p:timing>
+    <p:tnLst>
+      <p:par>
+        <p:cTn id="1" dur="indefinite" restart="never" nodeType="tmRoot"/>
+      </p:par>
+    </p:tnLst>
+  </p:timing>
 </p:sld>
 </file>
 
@@ -42435,6 +42505,13 @@
   <p:clrMapOvr>
     <a:masterClrMapping/>
   </p:clrMapOvr>
+  <p:timing>
+    <p:tnLst>
+      <p:par>
+        <p:cTn id="1" dur="indefinite" restart="never" nodeType="tmRoot"/>
+      </p:par>
+    </p:tnLst>
+  </p:timing>
 </p:sld>
 </file>
 
@@ -42582,6 +42659,13 @@
   <p:clrMapOvr>
     <a:masterClrMapping/>
   </p:clrMapOvr>
+  <p:timing>
+    <p:tnLst>
+      <p:par>
+        <p:cTn id="1" dur="indefinite" restart="never" nodeType="tmRoot"/>
+      </p:par>
+    </p:tnLst>
+  </p:timing>
 </p:sld>
 </file>
 
@@ -42672,6 +42756,13 @@
   <p:clrMapOvr>
     <a:masterClrMapping/>
   </p:clrMapOvr>
+  <p:timing>
+    <p:tnLst>
+      <p:par>
+        <p:cTn id="1" dur="indefinite" restart="never" nodeType="tmRoot"/>
+      </p:par>
+    </p:tnLst>
+  </p:timing>
 </p:sld>
 </file>
 
@@ -42886,6 +42977,13 @@
   <p:clrMapOvr>
     <a:masterClrMapping/>
   </p:clrMapOvr>
+  <p:timing>
+    <p:tnLst>
+      <p:par>
+        <p:cTn id="1" dur="indefinite" restart="never" nodeType="tmRoot"/>
+      </p:par>
+    </p:tnLst>
+  </p:timing>
 </p:sld>
 </file>
 
@@ -43253,6 +43351,13 @@
   <p:clrMapOvr>
     <a:masterClrMapping/>
   </p:clrMapOvr>
+  <p:timing>
+    <p:tnLst>
+      <p:par>
+        <p:cTn id="1" dur="indefinite" restart="never" nodeType="tmRoot"/>
+      </p:par>
+    </p:tnLst>
+  </p:timing>
 </p:sld>
 </file>
 
@@ -43526,6 +43631,13 @@
   <p:clrMapOvr>
     <a:masterClrMapping/>
   </p:clrMapOvr>
+  <p:timing>
+    <p:tnLst>
+      <p:par>
+        <p:cTn id="1" dur="indefinite" restart="never" nodeType="tmRoot"/>
+      </p:par>
+    </p:tnLst>
+  </p:timing>
 </p:sld>
 </file>
 
@@ -43709,8 +43821,20 @@
               <a:t>key: </a:t>
             </a:r>
             <a:r>
+              <a:rPr lang="en-US" altLang="zh-CN" dirty="0" err="1"/>
+              <a:t>hdel</a:t>
+            </a:r>
+            <a:r>
+              <a:rPr lang="en-US" altLang="zh-CN" dirty="0"/>
+              <a:t> </a:t>
+            </a:r>
+            <a:r>
               <a:rPr lang="en-US" altLang="zh-CN" dirty="0" err="1" smtClean="0"/>
-              <a:t>hdel</a:t>
+              <a:t>hashtable</a:t>
+            </a:r>
+            <a:r>
+              <a:rPr lang="en-US" altLang="zh-CN" dirty="0" smtClean="0"/>
+              <a:t> key</a:t>
             </a:r>
             <a:endParaRPr lang="en-US" altLang="zh-CN" dirty="0" smtClean="0"/>
           </a:p>
@@ -43835,6 +43959,13 @@
   <p:clrMapOvr>
     <a:masterClrMapping/>
   </p:clrMapOvr>
+  <p:timing>
+    <p:tnLst>
+      <p:par>
+        <p:cTn id="1" dur="indefinite" restart="never" nodeType="tmRoot"/>
+      </p:par>
+    </p:tnLst>
+  </p:timing>
 </p:sld>
 </file>
 
